--- a/FigurasInforme/figuras.pptx
+++ b/FigurasInforme/figuras.pptx
@@ -288,7 +288,7 @@
           <a:p>
             <a:fld id="{7A847CFC-816F-41D0-AAC0-9BF4FEBC753E}" type="datetimeFigureOut">
               <a:rPr lang="es-ES" smtClean="0"/>
-              <a:t>19/09/2018</a:t>
+              <a:t>24/09/2018</a:t>
             </a:fld>
             <a:endParaRPr lang="es-ES"/>
           </a:p>
@@ -453,7 +453,7 @@
           <a:p>
             <a:fld id="{7A847CFC-816F-41D0-AAC0-9BF4FEBC753E}" type="datetimeFigureOut">
               <a:rPr lang="es-ES" smtClean="0"/>
-              <a:t>19/09/2018</a:t>
+              <a:t>24/09/2018</a:t>
             </a:fld>
             <a:endParaRPr lang="es-ES"/>
           </a:p>
@@ -628,7 +628,7 @@
           <a:p>
             <a:fld id="{7A847CFC-816F-41D0-AAC0-9BF4FEBC753E}" type="datetimeFigureOut">
               <a:rPr lang="es-ES" smtClean="0"/>
-              <a:t>19/09/2018</a:t>
+              <a:t>24/09/2018</a:t>
             </a:fld>
             <a:endParaRPr lang="es-ES"/>
           </a:p>
@@ -793,7 +793,7 @@
           <a:p>
             <a:fld id="{7A847CFC-816F-41D0-AAC0-9BF4FEBC753E}" type="datetimeFigureOut">
               <a:rPr lang="es-ES" smtClean="0"/>
-              <a:t>19/09/2018</a:t>
+              <a:t>24/09/2018</a:t>
             </a:fld>
             <a:endParaRPr lang="es-ES"/>
           </a:p>
@@ -1034,7 +1034,7 @@
           <a:p>
             <a:fld id="{7A847CFC-816F-41D0-AAC0-9BF4FEBC753E}" type="datetimeFigureOut">
               <a:rPr lang="es-ES" smtClean="0"/>
-              <a:t>19/09/2018</a:t>
+              <a:t>24/09/2018</a:t>
             </a:fld>
             <a:endParaRPr lang="es-ES"/>
           </a:p>
@@ -1317,7 +1317,7 @@
           <a:p>
             <a:fld id="{7A847CFC-816F-41D0-AAC0-9BF4FEBC753E}" type="datetimeFigureOut">
               <a:rPr lang="es-ES" smtClean="0"/>
-              <a:t>19/09/2018</a:t>
+              <a:t>24/09/2018</a:t>
             </a:fld>
             <a:endParaRPr lang="es-ES"/>
           </a:p>
@@ -1734,7 +1734,7 @@
           <a:p>
             <a:fld id="{7A847CFC-816F-41D0-AAC0-9BF4FEBC753E}" type="datetimeFigureOut">
               <a:rPr lang="es-ES" smtClean="0"/>
-              <a:t>19/09/2018</a:t>
+              <a:t>24/09/2018</a:t>
             </a:fld>
             <a:endParaRPr lang="es-ES"/>
           </a:p>
@@ -1847,7 +1847,7 @@
           <a:p>
             <a:fld id="{7A847CFC-816F-41D0-AAC0-9BF4FEBC753E}" type="datetimeFigureOut">
               <a:rPr lang="es-ES" smtClean="0"/>
-              <a:t>19/09/2018</a:t>
+              <a:t>24/09/2018</a:t>
             </a:fld>
             <a:endParaRPr lang="es-ES"/>
           </a:p>
@@ -1937,7 +1937,7 @@
           <a:p>
             <a:fld id="{7A847CFC-816F-41D0-AAC0-9BF4FEBC753E}" type="datetimeFigureOut">
               <a:rPr lang="es-ES" smtClean="0"/>
-              <a:t>19/09/2018</a:t>
+              <a:t>24/09/2018</a:t>
             </a:fld>
             <a:endParaRPr lang="es-ES"/>
           </a:p>
@@ -2209,7 +2209,7 @@
           <a:p>
             <a:fld id="{7A847CFC-816F-41D0-AAC0-9BF4FEBC753E}" type="datetimeFigureOut">
               <a:rPr lang="es-ES" smtClean="0"/>
-              <a:t>19/09/2018</a:t>
+              <a:t>24/09/2018</a:t>
             </a:fld>
             <a:endParaRPr lang="es-ES"/>
           </a:p>
@@ -2457,7 +2457,7 @@
           <a:p>
             <a:fld id="{7A847CFC-816F-41D0-AAC0-9BF4FEBC753E}" type="datetimeFigureOut">
               <a:rPr lang="es-ES" smtClean="0"/>
-              <a:t>19/09/2018</a:t>
+              <a:t>24/09/2018</a:t>
             </a:fld>
             <a:endParaRPr lang="es-ES"/>
           </a:p>
@@ -2665,7 +2665,7 @@
           <a:p>
             <a:fld id="{7A847CFC-816F-41D0-AAC0-9BF4FEBC753E}" type="datetimeFigureOut">
               <a:rPr lang="es-ES" smtClean="0"/>
-              <a:t>19/09/2018</a:t>
+              <a:t>24/09/2018</a:t>
             </a:fld>
             <a:endParaRPr lang="es-ES"/>
           </a:p>
@@ -3035,223 +3035,223 @@
           <a:chExt cx="0" cy="0"/>
         </a:xfrm>
       </p:grpSpPr>
+      <p:sp>
+        <p:nvSpPr>
+          <p:cNvPr id="2" name="1 Rectángulo"/>
+          <p:cNvSpPr/>
+          <p:nvPr/>
+        </p:nvSpPr>
+        <p:spPr>
+          <a:xfrm>
+            <a:off x="2095756" y="2680536"/>
+            <a:ext cx="216024" cy="792088"/>
+          </a:xfrm>
+          <a:prstGeom prst="rect">
+            <a:avLst/>
+          </a:prstGeom>
+          <a:noFill/>
+          <a:ln>
+            <a:solidFill>
+              <a:schemeClr val="tx1"/>
+            </a:solidFill>
+          </a:ln>
+        </p:spPr>
+        <p:style>
+          <a:lnRef idx="2">
+            <a:schemeClr val="accent1">
+              <a:shade val="50000"/>
+            </a:schemeClr>
+          </a:lnRef>
+          <a:fillRef idx="1">
+            <a:schemeClr val="accent1"/>
+          </a:fillRef>
+          <a:effectRef idx="0">
+            <a:schemeClr val="accent1"/>
+          </a:effectRef>
+          <a:fontRef idx="minor">
+            <a:schemeClr val="lt1"/>
+          </a:fontRef>
+        </p:style>
+        <p:txBody>
+          <a:bodyPr rtlCol="0" anchor="ctr"/>
+          <a:lstStyle/>
+          <a:p>
+            <a:pPr algn="ctr"/>
+            <a:endParaRPr lang="en-US"/>
+          </a:p>
+        </p:txBody>
+      </p:sp>
+      <p:sp>
+        <p:nvSpPr>
+          <p:cNvPr id="3" name="2 Triángulo isósceles"/>
+          <p:cNvSpPr/>
+          <p:nvPr/>
+        </p:nvSpPr>
+        <p:spPr>
+          <a:xfrm>
+            <a:off x="2013366" y="2060848"/>
+            <a:ext cx="396044" cy="288032"/>
+          </a:xfrm>
+          <a:prstGeom prst="triangle">
+            <a:avLst/>
+          </a:prstGeom>
+          <a:noFill/>
+          <a:ln>
+            <a:solidFill>
+              <a:schemeClr val="tx1"/>
+            </a:solidFill>
+          </a:ln>
+          <a:scene3d>
+            <a:camera prst="orthographicFront">
+              <a:rot lat="0" lon="0" rev="10800000"/>
+            </a:camera>
+            <a:lightRig rig="threePt" dir="t"/>
+          </a:scene3d>
+        </p:spPr>
+        <p:style>
+          <a:lnRef idx="2">
+            <a:schemeClr val="accent1">
+              <a:shade val="50000"/>
+            </a:schemeClr>
+          </a:lnRef>
+          <a:fillRef idx="1">
+            <a:schemeClr val="accent1"/>
+          </a:fillRef>
+          <a:effectRef idx="0">
+            <a:schemeClr val="accent1"/>
+          </a:effectRef>
+          <a:fontRef idx="minor">
+            <a:schemeClr val="lt1"/>
+          </a:fontRef>
+        </p:style>
+        <p:txBody>
+          <a:bodyPr rtlCol="0" anchor="ctr"/>
+          <a:lstStyle/>
+          <a:p>
+            <a:pPr algn="ctr"/>
+            <a:endParaRPr lang="en-US"/>
+          </a:p>
+        </p:txBody>
+      </p:sp>
+      <p:cxnSp>
+        <p:nvCxnSpPr>
+          <p:cNvPr id="5" name="4 Conector recto"/>
+          <p:cNvCxnSpPr/>
+          <p:nvPr/>
+        </p:nvCxnSpPr>
+        <p:spPr>
+          <a:xfrm>
+            <a:off x="2013366" y="2356500"/>
+            <a:ext cx="396044" cy="0"/>
+          </a:xfrm>
+          <a:prstGeom prst="line">
+            <a:avLst/>
+          </a:prstGeom>
+          <a:ln w="25400">
+            <a:solidFill>
+              <a:schemeClr val="tx1"/>
+            </a:solidFill>
+          </a:ln>
+        </p:spPr>
+        <p:style>
+          <a:lnRef idx="1">
+            <a:schemeClr val="accent1"/>
+          </a:lnRef>
+          <a:fillRef idx="0">
+            <a:schemeClr val="accent1"/>
+          </a:fillRef>
+          <a:effectRef idx="0">
+            <a:schemeClr val="accent1"/>
+          </a:effectRef>
+          <a:fontRef idx="minor">
+            <a:schemeClr val="tx1"/>
+          </a:fontRef>
+        </p:style>
+      </p:cxnSp>
+      <p:cxnSp>
+        <p:nvCxnSpPr>
+          <p:cNvPr id="8" name="7 Conector recto"/>
+          <p:cNvCxnSpPr/>
+          <p:nvPr/>
+        </p:nvCxnSpPr>
+        <p:spPr>
+          <a:xfrm>
+            <a:off x="2209038" y="2356500"/>
+            <a:ext cx="0" cy="324036"/>
+          </a:xfrm>
+          <a:prstGeom prst="line">
+            <a:avLst/>
+          </a:prstGeom>
+          <a:ln w="25400">
+            <a:solidFill>
+              <a:schemeClr val="tx1"/>
+            </a:solidFill>
+          </a:ln>
+        </p:spPr>
+        <p:style>
+          <a:lnRef idx="1">
+            <a:schemeClr val="accent1"/>
+          </a:lnRef>
+          <a:fillRef idx="0">
+            <a:schemeClr val="accent1"/>
+          </a:fillRef>
+          <a:effectRef idx="0">
+            <a:schemeClr val="accent1"/>
+          </a:effectRef>
+          <a:fontRef idx="minor">
+            <a:schemeClr val="tx1"/>
+          </a:fontRef>
+        </p:style>
+      </p:cxnSp>
+      <p:cxnSp>
+        <p:nvCxnSpPr>
+          <p:cNvPr id="11" name="10 Conector recto"/>
+          <p:cNvCxnSpPr/>
+          <p:nvPr/>
+        </p:nvCxnSpPr>
+        <p:spPr>
+          <a:xfrm>
+            <a:off x="2209038" y="3472624"/>
+            <a:ext cx="0" cy="324036"/>
+          </a:xfrm>
+          <a:prstGeom prst="line">
+            <a:avLst/>
+          </a:prstGeom>
+          <a:ln w="25400">
+            <a:solidFill>
+              <a:schemeClr val="tx1"/>
+            </a:solidFill>
+          </a:ln>
+        </p:spPr>
+        <p:style>
+          <a:lnRef idx="1">
+            <a:schemeClr val="accent1"/>
+          </a:lnRef>
+          <a:fillRef idx="0">
+            <a:schemeClr val="accent1"/>
+          </a:fillRef>
+          <a:effectRef idx="0">
+            <a:schemeClr val="accent1"/>
+          </a:effectRef>
+          <a:fontRef idx="minor">
+            <a:schemeClr val="tx1"/>
+          </a:fontRef>
+        </p:style>
+      </p:cxnSp>
       <p:grpSp>
         <p:nvGrpSpPr>
-          <p:cNvPr id="30" name="29 Grupo"/>
+          <p:cNvPr id="50" name="49 Grupo"/>
           <p:cNvGrpSpPr/>
           <p:nvPr/>
         </p:nvGrpSpPr>
         <p:grpSpPr>
           <a:xfrm>
-            <a:off x="467544" y="1198493"/>
-            <a:ext cx="3888432" cy="2734563"/>
-            <a:chOff x="467544" y="1198493"/>
-            <a:chExt cx="3888432" cy="2734563"/>
+            <a:off x="2008508" y="3796660"/>
+            <a:ext cx="388012" cy="136396"/>
+            <a:chOff x="2008508" y="3796660"/>
+            <a:chExt cx="388012" cy="136396"/>
           </a:xfrm>
         </p:grpSpPr>
-        <p:sp>
-          <p:nvSpPr>
-            <p:cNvPr id="2" name="1 Rectángulo"/>
-            <p:cNvSpPr/>
-            <p:nvPr/>
-          </p:nvSpPr>
-          <p:spPr>
-            <a:xfrm>
-              <a:off x="2095756" y="2680536"/>
-              <a:ext cx="216024" cy="792088"/>
-            </a:xfrm>
-            <a:prstGeom prst="rect">
-              <a:avLst/>
-            </a:prstGeom>
-            <a:noFill/>
-            <a:ln>
-              <a:solidFill>
-                <a:schemeClr val="tx1"/>
-              </a:solidFill>
-            </a:ln>
-          </p:spPr>
-          <p:style>
-            <a:lnRef idx="2">
-              <a:schemeClr val="accent1">
-                <a:shade val="50000"/>
-              </a:schemeClr>
-            </a:lnRef>
-            <a:fillRef idx="1">
-              <a:schemeClr val="accent1"/>
-            </a:fillRef>
-            <a:effectRef idx="0">
-              <a:schemeClr val="accent1"/>
-            </a:effectRef>
-            <a:fontRef idx="minor">
-              <a:schemeClr val="lt1"/>
-            </a:fontRef>
-          </p:style>
-          <p:txBody>
-            <a:bodyPr rtlCol="0" anchor="ctr"/>
-            <a:lstStyle/>
-            <a:p>
-              <a:pPr algn="ctr"/>
-              <a:endParaRPr lang="en-US"/>
-            </a:p>
-          </p:txBody>
-        </p:sp>
-        <p:sp>
-          <p:nvSpPr>
-            <p:cNvPr id="3" name="2 Triángulo isósceles"/>
-            <p:cNvSpPr/>
-            <p:nvPr/>
-          </p:nvSpPr>
-          <p:spPr>
-            <a:xfrm>
-              <a:off x="2013366" y="2060848"/>
-              <a:ext cx="396044" cy="288032"/>
-            </a:xfrm>
-            <a:prstGeom prst="triangle">
-              <a:avLst/>
-            </a:prstGeom>
-            <a:noFill/>
-            <a:ln>
-              <a:solidFill>
-                <a:schemeClr val="tx1"/>
-              </a:solidFill>
-            </a:ln>
-            <a:scene3d>
-              <a:camera prst="orthographicFront">
-                <a:rot lat="0" lon="0" rev="10800000"/>
-              </a:camera>
-              <a:lightRig rig="threePt" dir="t"/>
-            </a:scene3d>
-          </p:spPr>
-          <p:style>
-            <a:lnRef idx="2">
-              <a:schemeClr val="accent1">
-                <a:shade val="50000"/>
-              </a:schemeClr>
-            </a:lnRef>
-            <a:fillRef idx="1">
-              <a:schemeClr val="accent1"/>
-            </a:fillRef>
-            <a:effectRef idx="0">
-              <a:schemeClr val="accent1"/>
-            </a:effectRef>
-            <a:fontRef idx="minor">
-              <a:schemeClr val="lt1"/>
-            </a:fontRef>
-          </p:style>
-          <p:txBody>
-            <a:bodyPr rtlCol="0" anchor="ctr"/>
-            <a:lstStyle/>
-            <a:p>
-              <a:pPr algn="ctr"/>
-              <a:endParaRPr lang="en-US"/>
-            </a:p>
-          </p:txBody>
-        </p:sp>
-        <p:cxnSp>
-          <p:nvCxnSpPr>
-            <p:cNvPr id="5" name="4 Conector recto"/>
-            <p:cNvCxnSpPr/>
-            <p:nvPr/>
-          </p:nvCxnSpPr>
-          <p:spPr>
-            <a:xfrm>
-              <a:off x="2013366" y="2356500"/>
-              <a:ext cx="396044" cy="0"/>
-            </a:xfrm>
-            <a:prstGeom prst="line">
-              <a:avLst/>
-            </a:prstGeom>
-            <a:ln w="25400">
-              <a:solidFill>
-                <a:schemeClr val="tx1"/>
-              </a:solidFill>
-            </a:ln>
-          </p:spPr>
-          <p:style>
-            <a:lnRef idx="1">
-              <a:schemeClr val="accent1"/>
-            </a:lnRef>
-            <a:fillRef idx="0">
-              <a:schemeClr val="accent1"/>
-            </a:fillRef>
-            <a:effectRef idx="0">
-              <a:schemeClr val="accent1"/>
-            </a:effectRef>
-            <a:fontRef idx="minor">
-              <a:schemeClr val="tx1"/>
-            </a:fontRef>
-          </p:style>
-        </p:cxnSp>
-        <p:cxnSp>
-          <p:nvCxnSpPr>
-            <p:cNvPr id="8" name="7 Conector recto"/>
-            <p:cNvCxnSpPr/>
-            <p:nvPr/>
-          </p:nvCxnSpPr>
-          <p:spPr>
-            <a:xfrm>
-              <a:off x="2209038" y="2356500"/>
-              <a:ext cx="0" cy="324036"/>
-            </a:xfrm>
-            <a:prstGeom prst="line">
-              <a:avLst/>
-            </a:prstGeom>
-            <a:ln w="25400">
-              <a:solidFill>
-                <a:schemeClr val="tx1"/>
-              </a:solidFill>
-            </a:ln>
-          </p:spPr>
-          <p:style>
-            <a:lnRef idx="1">
-              <a:schemeClr val="accent1"/>
-            </a:lnRef>
-            <a:fillRef idx="0">
-              <a:schemeClr val="accent1"/>
-            </a:fillRef>
-            <a:effectRef idx="0">
-              <a:schemeClr val="accent1"/>
-            </a:effectRef>
-            <a:fontRef idx="minor">
-              <a:schemeClr val="tx1"/>
-            </a:fontRef>
-          </p:style>
-        </p:cxnSp>
-        <p:cxnSp>
-          <p:nvCxnSpPr>
-            <p:cNvPr id="11" name="10 Conector recto"/>
-            <p:cNvCxnSpPr/>
-            <p:nvPr/>
-          </p:nvCxnSpPr>
-          <p:spPr>
-            <a:xfrm>
-              <a:off x="2209038" y="3472624"/>
-              <a:ext cx="0" cy="324036"/>
-            </a:xfrm>
-            <a:prstGeom prst="line">
-              <a:avLst/>
-            </a:prstGeom>
-            <a:ln w="25400">
-              <a:solidFill>
-                <a:schemeClr val="tx1"/>
-              </a:solidFill>
-            </a:ln>
-          </p:spPr>
-          <p:style>
-            <a:lnRef idx="1">
-              <a:schemeClr val="accent1"/>
-            </a:lnRef>
-            <a:fillRef idx="0">
-              <a:schemeClr val="accent1"/>
-            </a:fillRef>
-            <a:effectRef idx="0">
-              <a:schemeClr val="accent1"/>
-            </a:effectRef>
-            <a:fontRef idx="minor">
-              <a:schemeClr val="tx1"/>
-            </a:fontRef>
-          </p:style>
-        </p:cxnSp>
         <p:cxnSp>
           <p:nvCxnSpPr>
             <p:cNvPr id="13" name="12 Conector recto"/>
@@ -3295,7 +3295,7 @@
           </p:nvCxnSpPr>
           <p:spPr>
             <a:xfrm>
-              <a:off x="2066960" y="3861048"/>
+              <a:off x="2059340" y="3861048"/>
               <a:ext cx="292067" cy="0"/>
             </a:xfrm>
             <a:prstGeom prst="line">
@@ -3330,7 +3330,7 @@
           </p:nvCxnSpPr>
           <p:spPr>
             <a:xfrm>
-              <a:off x="2110164" y="3933056"/>
+              <a:off x="2102544" y="3933056"/>
               <a:ext cx="219434" cy="0"/>
             </a:xfrm>
             <a:prstGeom prst="line">
@@ -3357,16 +3357,564 @@
             </a:fontRef>
           </p:style>
         </p:cxnSp>
+      </p:grpSp>
+      <p:cxnSp>
+        <p:nvCxnSpPr>
+          <p:cNvPr id="17" name="16 Conector recto"/>
+          <p:cNvCxnSpPr/>
+          <p:nvPr/>
+        </p:nvCxnSpPr>
+        <p:spPr>
+          <a:xfrm>
+            <a:off x="2219119" y="1736812"/>
+            <a:ext cx="0" cy="324036"/>
+          </a:xfrm>
+          <a:prstGeom prst="line">
+            <a:avLst/>
+          </a:prstGeom>
+          <a:ln w="25400">
+            <a:solidFill>
+              <a:schemeClr val="tx1"/>
+            </a:solidFill>
+          </a:ln>
+        </p:spPr>
+        <p:style>
+          <a:lnRef idx="1">
+            <a:schemeClr val="accent1"/>
+          </a:lnRef>
+          <a:fillRef idx="0">
+            <a:schemeClr val="accent1"/>
+          </a:fillRef>
+          <a:effectRef idx="0">
+            <a:schemeClr val="accent1"/>
+          </a:effectRef>
+          <a:fontRef idx="minor">
+            <a:schemeClr val="tx1"/>
+          </a:fontRef>
+        </p:style>
+      </p:cxnSp>
+      <p:pic>
+        <p:nvPicPr>
+          <p:cNvPr id="1027" name="Picture 3" descr="C:\Marco\IC\P1\Grupo\P1\alterna.png"/>
+          <p:cNvPicPr>
+            <a:picLocks noChangeAspect="1" noChangeArrowheads="1"/>
+          </p:cNvPicPr>
+          <p:nvPr/>
+        </p:nvPicPr>
+        <p:blipFill>
+          <a:blip r:embed="rId2" cstate="print">
+            <a:extLst>
+              <a:ext uri="{28A0092B-C50C-407E-A947-70E740481C1C}">
+                <a14:useLocalDpi xmlns:a14="http://schemas.microsoft.com/office/drawing/2010/main" val="0"/>
+              </a:ext>
+            </a:extLst>
+          </a:blip>
+          <a:srcRect/>
+          <a:stretch>
+            <a:fillRect/>
+          </a:stretch>
+        </p:blipFill>
+        <p:spPr bwMode="auto">
+          <a:xfrm>
+            <a:off x="1985855" y="1268760"/>
+            <a:ext cx="468052" cy="468052"/>
+          </a:xfrm>
+          <a:prstGeom prst="rect">
+            <a:avLst/>
+          </a:prstGeom>
+          <a:noFill/>
+          <a:extLst>
+            <a:ext uri="{909E8E84-426E-40DD-AFC4-6F175D3DCCD1}">
+              <a14:hiddenFill xmlns:a14="http://schemas.microsoft.com/office/drawing/2010/main">
+                <a:solidFill>
+                  <a:srgbClr val="FFFFFF"/>
+                </a:solidFill>
+              </a14:hiddenFill>
+            </a:ext>
+          </a:extLst>
+        </p:spPr>
+      </p:pic>
+      <p:sp>
+        <p:nvSpPr>
+          <p:cNvPr id="19" name="18 CuadroTexto"/>
+          <p:cNvSpPr txBox="1"/>
+          <p:nvPr/>
+        </p:nvSpPr>
+        <p:spPr>
+          <a:xfrm>
+            <a:off x="2699792" y="2891914"/>
+            <a:ext cx="504056" cy="369332"/>
+          </a:xfrm>
+          <a:prstGeom prst="rect">
+            <a:avLst/>
+          </a:prstGeom>
+          <a:noFill/>
+        </p:spPr>
+        <p:txBody>
+          <a:bodyPr wrap="square" rtlCol="0">
+            <a:spAutoFit/>
+          </a:bodyPr>
+          <a:lstStyle/>
+          <a:p>
+            <a:r>
+              <a:rPr lang="es-AR" dirty="0" smtClean="0"/>
+              <a:t>R</a:t>
+            </a:r>
+            <a:endParaRPr lang="en-US" dirty="0"/>
+          </a:p>
+        </p:txBody>
+      </p:sp>
+      <p:sp>
+        <p:nvSpPr>
+          <p:cNvPr id="22" name="21 CuadroTexto"/>
+          <p:cNvSpPr txBox="1"/>
+          <p:nvPr/>
+        </p:nvSpPr>
+        <p:spPr>
+          <a:xfrm>
+            <a:off x="2629970" y="2020198"/>
+            <a:ext cx="862694" cy="369332"/>
+          </a:xfrm>
+          <a:prstGeom prst="rect">
+            <a:avLst/>
+          </a:prstGeom>
+          <a:noFill/>
+        </p:spPr>
+        <p:txBody>
+          <a:bodyPr wrap="square" rtlCol="0">
+            <a:spAutoFit/>
+          </a:bodyPr>
+          <a:lstStyle/>
+          <a:p>
+            <a:r>
+              <a:rPr lang="es-AR" dirty="0" smtClean="0"/>
+              <a:t>Diodo</a:t>
+            </a:r>
+            <a:endParaRPr lang="en-US" dirty="0"/>
+          </a:p>
+        </p:txBody>
+      </p:sp>
+      <p:sp>
+        <p:nvSpPr>
+          <p:cNvPr id="26" name="25 Elipse"/>
+          <p:cNvSpPr/>
+          <p:nvPr/>
+        </p:nvSpPr>
+        <p:spPr>
+          <a:xfrm>
+            <a:off x="2172876" y="3611116"/>
+            <a:ext cx="72008" cy="72008"/>
+          </a:xfrm>
+          <a:prstGeom prst="ellipse">
+            <a:avLst/>
+          </a:prstGeom>
+          <a:solidFill>
+            <a:schemeClr val="tx1"/>
+          </a:solidFill>
+          <a:ln>
+            <a:solidFill>
+              <a:schemeClr val="tx1"/>
+            </a:solidFill>
+          </a:ln>
+        </p:spPr>
+        <p:style>
+          <a:lnRef idx="2">
+            <a:schemeClr val="accent1">
+              <a:shade val="50000"/>
+            </a:schemeClr>
+          </a:lnRef>
+          <a:fillRef idx="1">
+            <a:schemeClr val="accent1"/>
+          </a:fillRef>
+          <a:effectRef idx="0">
+            <a:schemeClr val="accent1"/>
+          </a:effectRef>
+          <a:fontRef idx="minor">
+            <a:schemeClr val="lt1"/>
+          </a:fontRef>
+        </p:style>
+        <p:txBody>
+          <a:bodyPr rtlCol="0" anchor="ctr"/>
+          <a:lstStyle/>
+          <a:p>
+            <a:pPr algn="ctr"/>
+            <a:endParaRPr lang="en-US"/>
+          </a:p>
+        </p:txBody>
+      </p:sp>
+      <p:sp>
+        <p:nvSpPr>
+          <p:cNvPr id="27" name="26 Elipse"/>
+          <p:cNvSpPr/>
+          <p:nvPr/>
+        </p:nvSpPr>
+        <p:spPr>
+          <a:xfrm>
+            <a:off x="2172876" y="2492896"/>
+            <a:ext cx="72008" cy="72008"/>
+          </a:xfrm>
+          <a:prstGeom prst="ellipse">
+            <a:avLst/>
+          </a:prstGeom>
+          <a:solidFill>
+            <a:schemeClr val="tx1"/>
+          </a:solidFill>
+          <a:ln>
+            <a:solidFill>
+              <a:schemeClr val="tx1"/>
+            </a:solidFill>
+          </a:ln>
+        </p:spPr>
+        <p:style>
+          <a:lnRef idx="2">
+            <a:schemeClr val="accent1">
+              <a:shade val="50000"/>
+            </a:schemeClr>
+          </a:lnRef>
+          <a:fillRef idx="1">
+            <a:schemeClr val="accent1"/>
+          </a:fillRef>
+          <a:effectRef idx="0">
+            <a:schemeClr val="accent1"/>
+          </a:effectRef>
+          <a:fontRef idx="minor">
+            <a:schemeClr val="lt1"/>
+          </a:fontRef>
+        </p:style>
+        <p:txBody>
+          <a:bodyPr rtlCol="0" anchor="ctr"/>
+          <a:lstStyle/>
+          <a:p>
+            <a:pPr algn="ctr"/>
+            <a:endParaRPr lang="en-US"/>
+          </a:p>
+        </p:txBody>
+      </p:sp>
+      <p:sp>
+        <p:nvSpPr>
+          <p:cNvPr id="28" name="27 Elipse"/>
+          <p:cNvSpPr/>
+          <p:nvPr/>
+        </p:nvSpPr>
+        <p:spPr>
+          <a:xfrm>
+            <a:off x="2180496" y="1844824"/>
+            <a:ext cx="72008" cy="72008"/>
+          </a:xfrm>
+          <a:prstGeom prst="ellipse">
+            <a:avLst/>
+          </a:prstGeom>
+          <a:solidFill>
+            <a:schemeClr val="tx1"/>
+          </a:solidFill>
+          <a:ln>
+            <a:solidFill>
+              <a:schemeClr val="tx1"/>
+            </a:solidFill>
+          </a:ln>
+        </p:spPr>
+        <p:style>
+          <a:lnRef idx="2">
+            <a:schemeClr val="accent1">
+              <a:shade val="50000"/>
+            </a:schemeClr>
+          </a:lnRef>
+          <a:fillRef idx="1">
+            <a:schemeClr val="accent1"/>
+          </a:fillRef>
+          <a:effectRef idx="0">
+            <a:schemeClr val="accent1"/>
+          </a:effectRef>
+          <a:fontRef idx="minor">
+            <a:schemeClr val="lt1"/>
+          </a:fontRef>
+        </p:style>
+        <p:txBody>
+          <a:bodyPr rtlCol="0" anchor="ctr"/>
+          <a:lstStyle/>
+          <a:p>
+            <a:pPr algn="ctr"/>
+            <a:endParaRPr lang="en-US"/>
+          </a:p>
+        </p:txBody>
+      </p:sp>
+      <p:cxnSp>
+        <p:nvCxnSpPr>
+          <p:cNvPr id="24" name="23 Conector recto de flecha"/>
+          <p:cNvCxnSpPr/>
+          <p:nvPr/>
+        </p:nvCxnSpPr>
+        <p:spPr>
+          <a:xfrm>
+            <a:off x="1403648" y="1880828"/>
+            <a:ext cx="663312" cy="0"/>
+          </a:xfrm>
+          <a:prstGeom prst="straightConnector1">
+            <a:avLst/>
+          </a:prstGeom>
+          <a:ln w="15875">
+            <a:solidFill>
+              <a:schemeClr val="tx1">
+                <a:lumMod val="75000"/>
+                <a:lumOff val="25000"/>
+              </a:schemeClr>
+            </a:solidFill>
+            <a:tailEnd type="arrow"/>
+          </a:ln>
+        </p:spPr>
+        <p:style>
+          <a:lnRef idx="1">
+            <a:schemeClr val="accent1"/>
+          </a:lnRef>
+          <a:fillRef idx="0">
+            <a:schemeClr val="accent1"/>
+          </a:fillRef>
+          <a:effectRef idx="0">
+            <a:schemeClr val="accent1"/>
+          </a:effectRef>
+          <a:fontRef idx="minor">
+            <a:schemeClr val="tx1"/>
+          </a:fontRef>
+        </p:style>
+      </p:cxnSp>
+      <p:sp>
+        <p:nvSpPr>
+          <p:cNvPr id="29" name="28 CuadroTexto"/>
+          <p:cNvSpPr txBox="1"/>
+          <p:nvPr/>
+        </p:nvSpPr>
+        <p:spPr>
+          <a:xfrm>
+            <a:off x="467544" y="1619218"/>
+            <a:ext cx="1152128" cy="523220"/>
+          </a:xfrm>
+          <a:prstGeom prst="rect">
+            <a:avLst/>
+          </a:prstGeom>
+          <a:noFill/>
+        </p:spPr>
+        <p:txBody>
+          <a:bodyPr wrap="square" rtlCol="0">
+            <a:spAutoFit/>
+          </a:bodyPr>
+          <a:lstStyle/>
+          <a:p>
+            <a:r>
+              <a:rPr lang="es-AR" sz="1400" dirty="0" smtClean="0"/>
+              <a:t>Puntos de medición</a:t>
+            </a:r>
+            <a:endParaRPr lang="en-US" sz="1400" dirty="0"/>
+          </a:p>
+        </p:txBody>
+      </p:sp>
+      <p:sp>
+        <p:nvSpPr>
+          <p:cNvPr id="32" name="31 CuadroTexto"/>
+          <p:cNvSpPr txBox="1"/>
+          <p:nvPr/>
+        </p:nvSpPr>
+        <p:spPr>
+          <a:xfrm>
+            <a:off x="2637570" y="1198493"/>
+            <a:ext cx="1718406" cy="646331"/>
+          </a:xfrm>
+          <a:prstGeom prst="rect">
+            <a:avLst/>
+          </a:prstGeom>
+          <a:noFill/>
+        </p:spPr>
+        <p:txBody>
+          <a:bodyPr wrap="square" rtlCol="0">
+            <a:spAutoFit/>
+          </a:bodyPr>
+          <a:lstStyle/>
+          <a:p>
+            <a:r>
+              <a:rPr lang="es-AR" dirty="0" smtClean="0"/>
+              <a:t>Fuente de señales</a:t>
+            </a:r>
+            <a:endParaRPr lang="en-US" dirty="0"/>
+          </a:p>
+        </p:txBody>
+      </p:sp>
+      <mc:AlternateContent xmlns:mc="http://schemas.openxmlformats.org/markup-compatibility/2006">
+        <mc:Choice xmlns:a14="http://schemas.microsoft.com/office/drawing/2010/main" Requires="a14">
+          <p:sp>
+            <p:nvSpPr>
+              <p:cNvPr id="68" name="67 CuadroTexto"/>
+              <p:cNvSpPr txBox="1"/>
+              <p:nvPr/>
+            </p:nvSpPr>
+            <p:spPr>
+              <a:xfrm>
+                <a:off x="5208436" y="2129592"/>
+                <a:ext cx="936104" cy="369332"/>
+              </a:xfrm>
+              <a:prstGeom prst="rect">
+                <a:avLst/>
+              </a:prstGeom>
+              <a:noFill/>
+            </p:spPr>
+            <p:txBody>
+              <a:bodyPr wrap="square" rtlCol="0">
+                <a:spAutoFit/>
+              </a:bodyPr>
+              <a:lstStyle/>
+              <a:p>
+                <a14:m>
+                  <m:oMathPara xmlns:m="http://schemas.openxmlformats.org/officeDocument/2006/math">
+                    <m:oMathParaPr>
+                      <m:jc m:val="centerGroup"/>
+                    </m:oMathParaPr>
+                    <m:oMath xmlns:m="http://schemas.openxmlformats.org/officeDocument/2006/math">
+                      <m:sSub>
+                        <m:sSubPr>
+                          <m:ctrlPr>
+                            <a:rPr lang="en-US" i="1" smtClean="0">
+                              <a:latin typeface="Cambria Math"/>
+                            </a:rPr>
+                          </m:ctrlPr>
+                        </m:sSubPr>
+                        <m:e>
+                          <m:r>
+                            <a:rPr lang="es-AR" b="0" i="1" smtClean="0">
+                              <a:latin typeface="Cambria Math"/>
+                            </a:rPr>
+                            <m:t>𝑉</m:t>
+                          </m:r>
+                        </m:e>
+                        <m:sub>
+                          <m:r>
+                            <a:rPr lang="es-AR" b="0" i="1" smtClean="0">
+                              <a:latin typeface="Cambria Math"/>
+                            </a:rPr>
+                            <m:t>𝑖𝑛</m:t>
+                          </m:r>
+                        </m:sub>
+                      </m:sSub>
+                    </m:oMath>
+                  </m:oMathPara>
+                </a14:m>
+                <a:endParaRPr lang="en-US" dirty="0"/>
+              </a:p>
+            </p:txBody>
+          </p:sp>
+        </mc:Choice>
+        <mc:Fallback>
+          <p:sp>
+            <p:nvSpPr>
+              <p:cNvPr id="68" name="67 CuadroTexto"/>
+              <p:cNvSpPr txBox="1">
+                <a:spLocks noRot="1" noChangeAspect="1" noMove="1" noResize="1" noEditPoints="1" noAdjustHandles="1" noChangeArrowheads="1" noChangeShapeType="1" noTextEdit="1"/>
+              </p:cNvSpPr>
+              <p:nvPr/>
+            </p:nvSpPr>
+            <p:spPr>
+              <a:xfrm>
+                <a:off x="5208436" y="2129592"/>
+                <a:ext cx="936104" cy="369332"/>
+              </a:xfrm>
+              <a:prstGeom prst="rect">
+                <a:avLst/>
+              </a:prstGeom>
+              <a:blipFill rotWithShape="1">
+                <a:blip r:embed="rId3"/>
+                <a:stretch>
+                  <a:fillRect/>
+                </a:stretch>
+              </a:blipFill>
+            </p:spPr>
+            <p:txBody>
+              <a:bodyPr/>
+              <a:lstStyle/>
+              <a:p>
+                <a:r>
+                  <a:rPr lang="en-US">
+                    <a:noFill/>
+                  </a:rPr>
+                  <a:t> </a:t>
+                </a:r>
+              </a:p>
+            </p:txBody>
+          </p:sp>
+        </mc:Fallback>
+      </mc:AlternateContent>
+      <p:grpSp>
+        <p:nvGrpSpPr>
+          <p:cNvPr id="1032" name="1031 Grupo"/>
+          <p:cNvGrpSpPr/>
+          <p:nvPr/>
+        </p:nvGrpSpPr>
+        <p:grpSpPr>
+          <a:xfrm>
+            <a:off x="5832140" y="1332600"/>
+            <a:ext cx="2875002" cy="2096400"/>
+            <a:chOff x="5832140" y="1332600"/>
+            <a:chExt cx="2875002" cy="2096400"/>
+          </a:xfrm>
+        </p:grpSpPr>
+        <p:sp>
+          <p:nvSpPr>
+            <p:cNvPr id="4" name="3 Triángulo isósceles"/>
+            <p:cNvSpPr/>
+            <p:nvPr/>
+          </p:nvSpPr>
+          <p:spPr>
+            <a:xfrm>
+              <a:off x="6264188" y="1844824"/>
+              <a:ext cx="1080120" cy="936104"/>
+            </a:xfrm>
+            <a:prstGeom prst="triangle">
+              <a:avLst/>
+            </a:prstGeom>
+            <a:noFill/>
+            <a:ln>
+              <a:solidFill>
+                <a:schemeClr val="tx1"/>
+              </a:solidFill>
+            </a:ln>
+            <a:scene3d>
+              <a:camera prst="orthographicFront">
+                <a:rot lat="0" lon="0" rev="16200000"/>
+              </a:camera>
+              <a:lightRig rig="threePt" dir="t"/>
+            </a:scene3d>
+          </p:spPr>
+          <p:style>
+            <a:lnRef idx="2">
+              <a:schemeClr val="accent1">
+                <a:shade val="50000"/>
+              </a:schemeClr>
+            </a:lnRef>
+            <a:fillRef idx="1">
+              <a:schemeClr val="accent1"/>
+            </a:fillRef>
+            <a:effectRef idx="0">
+              <a:schemeClr val="accent1"/>
+            </a:effectRef>
+            <a:fontRef idx="minor">
+              <a:schemeClr val="lt1"/>
+            </a:fontRef>
+          </p:style>
+          <p:txBody>
+            <a:bodyPr rtlCol="0" anchor="ctr"/>
+            <a:lstStyle/>
+            <a:p>
+              <a:pPr algn="ctr"/>
+              <a:endParaRPr lang="en-US"/>
+            </a:p>
+          </p:txBody>
+        </p:sp>
         <p:cxnSp>
           <p:nvCxnSpPr>
-            <p:cNvPr id="17" name="16 Conector recto"/>
+            <p:cNvPr id="25" name="24 Conector recto"/>
             <p:cNvCxnSpPr/>
             <p:nvPr/>
           </p:nvCxnSpPr>
           <p:spPr>
             <a:xfrm>
-              <a:off x="2219119" y="1736812"/>
-              <a:ext cx="0" cy="324036"/>
+              <a:off x="7261665" y="2318400"/>
+              <a:ext cx="1018747" cy="0"/>
             </a:xfrm>
             <a:prstGeom prst="line">
               <a:avLst/>
@@ -3392,56 +3940,774 @@
             </a:fontRef>
           </p:style>
         </p:cxnSp>
-        <p:pic>
-          <p:nvPicPr>
-            <p:cNvPr id="1027" name="Picture 3" descr="C:\Marco\IC\P1\Grupo\P1\alterna.png"/>
-            <p:cNvPicPr>
-              <a:picLocks noChangeAspect="1" noChangeArrowheads="1"/>
-            </p:cNvPicPr>
+        <p:sp>
+          <p:nvSpPr>
+            <p:cNvPr id="31" name="30 Elipse"/>
+            <p:cNvSpPr/>
             <p:nvPr/>
-          </p:nvPicPr>
-          <p:blipFill>
-            <a:blip r:embed="rId2" cstate="print">
-              <a:extLst>
-                <a:ext uri="{28A0092B-C50C-407E-A947-70E740481C1C}">
-                  <a14:useLocalDpi xmlns:a14="http://schemas.microsoft.com/office/drawing/2010/main" val="0"/>
-                </a:ext>
-              </a:extLst>
-            </a:blip>
-            <a:srcRect/>
-            <a:stretch>
-              <a:fillRect/>
-            </a:stretch>
-          </p:blipFill>
-          <p:spPr bwMode="auto">
+          </p:nvSpPr>
+          <p:spPr>
             <a:xfrm>
-              <a:off x="1985855" y="1268760"/>
-              <a:ext cx="468052" cy="468052"/>
+              <a:off x="8244408" y="2278254"/>
+              <a:ext cx="72008" cy="72008"/>
+            </a:xfrm>
+            <a:prstGeom prst="ellipse">
+              <a:avLst/>
+            </a:prstGeom>
+            <a:solidFill>
+              <a:schemeClr val="tx1"/>
+            </a:solidFill>
+            <a:ln>
+              <a:solidFill>
+                <a:schemeClr val="tx1"/>
+              </a:solidFill>
+            </a:ln>
+          </p:spPr>
+          <p:style>
+            <a:lnRef idx="2">
+              <a:schemeClr val="accent1">
+                <a:shade val="50000"/>
+              </a:schemeClr>
+            </a:lnRef>
+            <a:fillRef idx="1">
+              <a:schemeClr val="accent1"/>
+            </a:fillRef>
+            <a:effectRef idx="0">
+              <a:schemeClr val="accent1"/>
+            </a:effectRef>
+            <a:fontRef idx="minor">
+              <a:schemeClr val="lt1"/>
+            </a:fontRef>
+          </p:style>
+          <p:txBody>
+            <a:bodyPr rtlCol="0" anchor="ctr"/>
+            <a:lstStyle/>
+            <a:p>
+              <a:pPr algn="ctr"/>
+              <a:endParaRPr lang="en-US"/>
+            </a:p>
+          </p:txBody>
+        </p:sp>
+        <p:cxnSp>
+          <p:nvCxnSpPr>
+            <p:cNvPr id="33" name="32 Conector recto"/>
+            <p:cNvCxnSpPr/>
+            <p:nvPr/>
+          </p:nvCxnSpPr>
+          <p:spPr>
+            <a:xfrm>
+              <a:off x="5904148" y="2060848"/>
+              <a:ext cx="432048" cy="0"/>
+            </a:xfrm>
+            <a:prstGeom prst="line">
+              <a:avLst/>
+            </a:prstGeom>
+            <a:ln w="25400">
+              <a:solidFill>
+                <a:schemeClr val="tx1"/>
+              </a:solidFill>
+            </a:ln>
+          </p:spPr>
+          <p:style>
+            <a:lnRef idx="1">
+              <a:schemeClr val="accent1"/>
+            </a:lnRef>
+            <a:fillRef idx="0">
+              <a:schemeClr val="accent1"/>
+            </a:fillRef>
+            <a:effectRef idx="0">
+              <a:schemeClr val="accent1"/>
+            </a:effectRef>
+            <a:fontRef idx="minor">
+              <a:schemeClr val="tx1"/>
+            </a:fontRef>
+          </p:style>
+        </p:cxnSp>
+        <p:cxnSp>
+          <p:nvCxnSpPr>
+            <p:cNvPr id="34" name="33 Conector recto"/>
+            <p:cNvCxnSpPr/>
+            <p:nvPr/>
+          </p:nvCxnSpPr>
+          <p:spPr>
+            <a:xfrm>
+              <a:off x="5904148" y="1340768"/>
+              <a:ext cx="0" cy="720080"/>
+            </a:xfrm>
+            <a:prstGeom prst="line">
+              <a:avLst/>
+            </a:prstGeom>
+            <a:ln w="25400">
+              <a:solidFill>
+                <a:schemeClr val="tx1"/>
+              </a:solidFill>
+            </a:ln>
+          </p:spPr>
+          <p:style>
+            <a:lnRef idx="1">
+              <a:schemeClr val="accent1"/>
+            </a:lnRef>
+            <a:fillRef idx="0">
+              <a:schemeClr val="accent1"/>
+            </a:fillRef>
+            <a:effectRef idx="0">
+              <a:schemeClr val="accent1"/>
+            </a:effectRef>
+            <a:fontRef idx="minor">
+              <a:schemeClr val="tx1"/>
+            </a:fontRef>
+          </p:style>
+        </p:cxnSp>
+        <p:cxnSp>
+          <p:nvCxnSpPr>
+            <p:cNvPr id="35" name="34 Conector recto"/>
+            <p:cNvCxnSpPr/>
+            <p:nvPr/>
+          </p:nvCxnSpPr>
+          <p:spPr>
+            <a:xfrm flipV="1">
+              <a:off x="5912884" y="1332600"/>
+              <a:ext cx="1503432" cy="11616"/>
+            </a:xfrm>
+            <a:prstGeom prst="line">
+              <a:avLst/>
+            </a:prstGeom>
+            <a:ln w="25400">
+              <a:solidFill>
+                <a:schemeClr val="tx1"/>
+              </a:solidFill>
+            </a:ln>
+          </p:spPr>
+          <p:style>
+            <a:lnRef idx="1">
+              <a:schemeClr val="accent1"/>
+            </a:lnRef>
+            <a:fillRef idx="0">
+              <a:schemeClr val="accent1"/>
+            </a:fillRef>
+            <a:effectRef idx="0">
+              <a:schemeClr val="accent1"/>
+            </a:effectRef>
+            <a:fontRef idx="minor">
+              <a:schemeClr val="tx1"/>
+            </a:fontRef>
+          </p:style>
+        </p:cxnSp>
+        <p:cxnSp>
+          <p:nvCxnSpPr>
+            <p:cNvPr id="36" name="35 Conector recto"/>
+            <p:cNvCxnSpPr/>
+            <p:nvPr/>
+          </p:nvCxnSpPr>
+          <p:spPr>
+            <a:xfrm>
+              <a:off x="7416316" y="1332600"/>
+              <a:ext cx="0" cy="985800"/>
+            </a:xfrm>
+            <a:prstGeom prst="line">
+              <a:avLst/>
+            </a:prstGeom>
+            <a:ln w="25400">
+              <a:solidFill>
+                <a:schemeClr val="tx1"/>
+              </a:solidFill>
+            </a:ln>
+          </p:spPr>
+          <p:style>
+            <a:lnRef idx="1">
+              <a:schemeClr val="accent1"/>
+            </a:lnRef>
+            <a:fillRef idx="0">
+              <a:schemeClr val="accent1"/>
+            </a:fillRef>
+            <a:effectRef idx="0">
+              <a:schemeClr val="accent1"/>
+            </a:effectRef>
+            <a:fontRef idx="minor">
+              <a:schemeClr val="tx1"/>
+            </a:fontRef>
+          </p:style>
+        </p:cxnSp>
+        <p:cxnSp>
+          <p:nvCxnSpPr>
+            <p:cNvPr id="38" name="37 Conector recto"/>
+            <p:cNvCxnSpPr/>
+            <p:nvPr/>
+          </p:nvCxnSpPr>
+          <p:spPr>
+            <a:xfrm>
+              <a:off x="5904148" y="2560732"/>
+              <a:ext cx="432048" cy="0"/>
+            </a:xfrm>
+            <a:prstGeom prst="line">
+              <a:avLst/>
+            </a:prstGeom>
+            <a:ln w="25400">
+              <a:solidFill>
+                <a:schemeClr val="tx1"/>
+              </a:solidFill>
+            </a:ln>
+          </p:spPr>
+          <p:style>
+            <a:lnRef idx="1">
+              <a:schemeClr val="accent1"/>
+            </a:lnRef>
+            <a:fillRef idx="0">
+              <a:schemeClr val="accent1"/>
+            </a:fillRef>
+            <a:effectRef idx="0">
+              <a:schemeClr val="accent1"/>
+            </a:effectRef>
+            <a:fontRef idx="minor">
+              <a:schemeClr val="tx1"/>
+            </a:fontRef>
+          </p:style>
+        </p:cxnSp>
+        <p:sp>
+          <p:nvSpPr>
+            <p:cNvPr id="37" name="36 CuadroTexto"/>
+            <p:cNvSpPr txBox="1"/>
+            <p:nvPr/>
+          </p:nvSpPr>
+          <p:spPr>
+            <a:xfrm>
+              <a:off x="6300192" y="1849016"/>
+              <a:ext cx="440784" cy="369332"/>
             </a:xfrm>
             <a:prstGeom prst="rect">
               <a:avLst/>
             </a:prstGeom>
             <a:noFill/>
-            <a:extLst>
-              <a:ext uri="{909E8E84-426E-40DD-AFC4-6F175D3DCCD1}">
-                <a14:hiddenFill xmlns:a14="http://schemas.microsoft.com/office/drawing/2010/main">
-                  <a:solidFill>
-                    <a:srgbClr val="FFFFFF"/>
-                  </a:solidFill>
-                </a14:hiddenFill>
-              </a:ext>
-            </a:extLst>
           </p:spPr>
-        </p:pic>
+          <p:txBody>
+            <a:bodyPr wrap="square" rtlCol="0">
+              <a:spAutoFit/>
+            </a:bodyPr>
+            <a:lstStyle/>
+            <a:p>
+              <a:r>
+                <a:rPr lang="es-AR" dirty="0" smtClean="0"/>
+                <a:t>-</a:t>
+              </a:r>
+              <a:endParaRPr lang="en-US" dirty="0"/>
+            </a:p>
+          </p:txBody>
+        </p:sp>
         <p:sp>
           <p:nvSpPr>
-            <p:cNvPr id="19" name="18 CuadroTexto"/>
+            <p:cNvPr id="40" name="39 CuadroTexto"/>
             <p:cNvSpPr txBox="1"/>
             <p:nvPr/>
           </p:nvSpPr>
           <p:spPr>
             <a:xfrm>
-              <a:off x="2699792" y="2891914"/>
+              <a:off x="6300192" y="2353350"/>
+              <a:ext cx="440784" cy="369332"/>
+            </a:xfrm>
+            <a:prstGeom prst="rect">
+              <a:avLst/>
+            </a:prstGeom>
+            <a:noFill/>
+          </p:spPr>
+          <p:txBody>
+            <a:bodyPr wrap="square" rtlCol="0">
+              <a:spAutoFit/>
+            </a:bodyPr>
+            <a:lstStyle/>
+            <a:p>
+              <a:r>
+                <a:rPr lang="es-AR" dirty="0"/>
+                <a:t>+</a:t>
+              </a:r>
+              <a:endParaRPr lang="en-US" dirty="0"/>
+            </a:p>
+          </p:txBody>
+        </p:sp>
+        <p:sp>
+          <p:nvSpPr>
+            <p:cNvPr id="42" name="41 Elipse"/>
+            <p:cNvSpPr/>
+            <p:nvPr/>
+          </p:nvSpPr>
+          <p:spPr>
+            <a:xfrm>
+              <a:off x="5832140" y="2523376"/>
+              <a:ext cx="72008" cy="72008"/>
+            </a:xfrm>
+            <a:prstGeom prst="ellipse">
+              <a:avLst/>
+            </a:prstGeom>
+            <a:solidFill>
+              <a:schemeClr val="tx1"/>
+            </a:solidFill>
+            <a:ln>
+              <a:solidFill>
+                <a:schemeClr val="tx1"/>
+              </a:solidFill>
+            </a:ln>
+          </p:spPr>
+          <p:style>
+            <a:lnRef idx="2">
+              <a:schemeClr val="accent1">
+                <a:shade val="50000"/>
+              </a:schemeClr>
+            </a:lnRef>
+            <a:fillRef idx="1">
+              <a:schemeClr val="accent1"/>
+            </a:fillRef>
+            <a:effectRef idx="0">
+              <a:schemeClr val="accent1"/>
+            </a:effectRef>
+            <a:fontRef idx="minor">
+              <a:schemeClr val="lt1"/>
+            </a:fontRef>
+          </p:style>
+          <p:txBody>
+            <a:bodyPr rtlCol="0" anchor="ctr"/>
+            <a:lstStyle/>
+            <a:p>
+              <a:pPr algn="ctr"/>
+              <a:endParaRPr lang="en-US"/>
+            </a:p>
+          </p:txBody>
+        </p:sp>
+        <p:grpSp>
+          <p:nvGrpSpPr>
+            <p:cNvPr id="44" name="43 Grupo"/>
+            <p:cNvGrpSpPr/>
+            <p:nvPr/>
+          </p:nvGrpSpPr>
+          <p:grpSpPr>
+            <a:xfrm>
+              <a:off x="7412476" y="2747898"/>
+              <a:ext cx="296416" cy="105038"/>
+              <a:chOff x="6640036" y="2554930"/>
+              <a:chExt cx="296416" cy="105038"/>
+            </a:xfrm>
+          </p:grpSpPr>
+          <p:cxnSp>
+            <p:nvCxnSpPr>
+              <p:cNvPr id="43" name="42 Conector recto"/>
+              <p:cNvCxnSpPr/>
+              <p:nvPr/>
+            </p:nvCxnSpPr>
+            <p:spPr>
+              <a:xfrm>
+                <a:off x="6640036" y="2554930"/>
+                <a:ext cx="288032" cy="0"/>
+              </a:xfrm>
+              <a:prstGeom prst="line">
+                <a:avLst/>
+              </a:prstGeom>
+              <a:ln w="25400">
+                <a:solidFill>
+                  <a:schemeClr val="tx1"/>
+                </a:solidFill>
+              </a:ln>
+            </p:spPr>
+            <p:style>
+              <a:lnRef idx="1">
+                <a:schemeClr val="accent1"/>
+              </a:lnRef>
+              <a:fillRef idx="0">
+                <a:schemeClr val="accent1"/>
+              </a:fillRef>
+              <a:effectRef idx="0">
+                <a:schemeClr val="accent1"/>
+              </a:effectRef>
+              <a:fontRef idx="minor">
+                <a:schemeClr val="tx1"/>
+              </a:fontRef>
+            </p:style>
+          </p:cxnSp>
+          <p:cxnSp>
+            <p:nvCxnSpPr>
+              <p:cNvPr id="45" name="44 Conector recto"/>
+              <p:cNvCxnSpPr/>
+              <p:nvPr/>
+            </p:nvCxnSpPr>
+            <p:spPr>
+              <a:xfrm>
+                <a:off x="6648420" y="2659968"/>
+                <a:ext cx="288032" cy="0"/>
+              </a:xfrm>
+              <a:prstGeom prst="line">
+                <a:avLst/>
+              </a:prstGeom>
+              <a:ln w="25400">
+                <a:solidFill>
+                  <a:schemeClr val="tx1"/>
+                </a:solidFill>
+              </a:ln>
+            </p:spPr>
+            <p:style>
+              <a:lnRef idx="1">
+                <a:schemeClr val="accent1"/>
+              </a:lnRef>
+              <a:fillRef idx="0">
+                <a:schemeClr val="accent1"/>
+              </a:fillRef>
+              <a:effectRef idx="0">
+                <a:schemeClr val="accent1"/>
+              </a:effectRef>
+              <a:fontRef idx="minor">
+                <a:schemeClr val="tx1"/>
+              </a:fontRef>
+            </p:style>
+          </p:cxnSp>
+        </p:grpSp>
+        <p:cxnSp>
+          <p:nvCxnSpPr>
+            <p:cNvPr id="49" name="48 Conector recto"/>
+            <p:cNvCxnSpPr/>
+            <p:nvPr/>
+          </p:nvCxnSpPr>
+          <p:spPr>
+            <a:xfrm>
+              <a:off x="7557608" y="2325482"/>
+              <a:ext cx="0" cy="422416"/>
+            </a:xfrm>
+            <a:prstGeom prst="line">
+              <a:avLst/>
+            </a:prstGeom>
+            <a:ln w="25400">
+              <a:solidFill>
+                <a:schemeClr val="tx1"/>
+              </a:solidFill>
+            </a:ln>
+          </p:spPr>
+          <p:style>
+            <a:lnRef idx="1">
+              <a:schemeClr val="accent1"/>
+            </a:lnRef>
+            <a:fillRef idx="0">
+              <a:schemeClr val="accent1"/>
+            </a:fillRef>
+            <a:effectRef idx="0">
+              <a:schemeClr val="accent1"/>
+            </a:effectRef>
+            <a:fontRef idx="minor">
+              <a:schemeClr val="tx1"/>
+            </a:fontRef>
+          </p:style>
+        </p:cxnSp>
+        <p:grpSp>
+          <p:nvGrpSpPr>
+            <p:cNvPr id="52" name="51 Grupo"/>
+            <p:cNvGrpSpPr/>
+            <p:nvPr/>
+          </p:nvGrpSpPr>
+          <p:grpSpPr>
+            <a:xfrm>
+              <a:off x="7370106" y="3292604"/>
+              <a:ext cx="388012" cy="136396"/>
+              <a:chOff x="2008508" y="3796660"/>
+              <a:chExt cx="388012" cy="136396"/>
+            </a:xfrm>
+          </p:grpSpPr>
+          <p:cxnSp>
+            <p:nvCxnSpPr>
+              <p:cNvPr id="53" name="52 Conector recto"/>
+              <p:cNvCxnSpPr/>
+              <p:nvPr/>
+            </p:nvCxnSpPr>
+            <p:spPr>
+              <a:xfrm>
+                <a:off x="2008508" y="3796660"/>
+                <a:ext cx="388012" cy="0"/>
+              </a:xfrm>
+              <a:prstGeom prst="line">
+                <a:avLst/>
+              </a:prstGeom>
+              <a:ln w="25400">
+                <a:solidFill>
+                  <a:schemeClr val="tx1"/>
+                </a:solidFill>
+              </a:ln>
+            </p:spPr>
+            <p:style>
+              <a:lnRef idx="1">
+                <a:schemeClr val="accent1"/>
+              </a:lnRef>
+              <a:fillRef idx="0">
+                <a:schemeClr val="accent1"/>
+              </a:fillRef>
+              <a:effectRef idx="0">
+                <a:schemeClr val="accent1"/>
+              </a:effectRef>
+              <a:fontRef idx="minor">
+                <a:schemeClr val="tx1"/>
+              </a:fontRef>
+            </p:style>
+          </p:cxnSp>
+          <p:cxnSp>
+            <p:nvCxnSpPr>
+              <p:cNvPr id="54" name="53 Conector recto"/>
+              <p:cNvCxnSpPr/>
+              <p:nvPr/>
+            </p:nvCxnSpPr>
+            <p:spPr>
+              <a:xfrm>
+                <a:off x="2059340" y="3861048"/>
+                <a:ext cx="292067" cy="0"/>
+              </a:xfrm>
+              <a:prstGeom prst="line">
+                <a:avLst/>
+              </a:prstGeom>
+              <a:ln w="25400">
+                <a:solidFill>
+                  <a:schemeClr val="tx1"/>
+                </a:solidFill>
+              </a:ln>
+            </p:spPr>
+            <p:style>
+              <a:lnRef idx="1">
+                <a:schemeClr val="accent1"/>
+              </a:lnRef>
+              <a:fillRef idx="0">
+                <a:schemeClr val="accent1"/>
+              </a:fillRef>
+              <a:effectRef idx="0">
+                <a:schemeClr val="accent1"/>
+              </a:effectRef>
+              <a:fontRef idx="minor">
+                <a:schemeClr val="tx1"/>
+              </a:fontRef>
+            </p:style>
+          </p:cxnSp>
+          <p:cxnSp>
+            <p:nvCxnSpPr>
+              <p:cNvPr id="55" name="54 Conector recto"/>
+              <p:cNvCxnSpPr/>
+              <p:nvPr/>
+            </p:nvCxnSpPr>
+            <p:spPr>
+              <a:xfrm>
+                <a:off x="2102544" y="3933056"/>
+                <a:ext cx="219434" cy="0"/>
+              </a:xfrm>
+              <a:prstGeom prst="line">
+                <a:avLst/>
+              </a:prstGeom>
+              <a:ln w="25400">
+                <a:solidFill>
+                  <a:schemeClr val="tx1"/>
+                </a:solidFill>
+              </a:ln>
+            </p:spPr>
+            <p:style>
+              <a:lnRef idx="1">
+                <a:schemeClr val="accent1"/>
+              </a:lnRef>
+              <a:fillRef idx="0">
+                <a:schemeClr val="accent1"/>
+              </a:fillRef>
+              <a:effectRef idx="0">
+                <a:schemeClr val="accent1"/>
+              </a:effectRef>
+              <a:fontRef idx="minor">
+                <a:schemeClr val="tx1"/>
+              </a:fontRef>
+            </p:style>
+          </p:cxnSp>
+        </p:grpSp>
+        <p:cxnSp>
+          <p:nvCxnSpPr>
+            <p:cNvPr id="56" name="55 Conector recto"/>
+            <p:cNvCxnSpPr/>
+            <p:nvPr/>
+          </p:nvCxnSpPr>
+          <p:spPr>
+            <a:xfrm>
+              <a:off x="7566971" y="2866698"/>
+              <a:ext cx="0" cy="425906"/>
+            </a:xfrm>
+            <a:prstGeom prst="line">
+              <a:avLst/>
+            </a:prstGeom>
+            <a:ln w="25400">
+              <a:solidFill>
+                <a:schemeClr val="tx1"/>
+              </a:solidFill>
+            </a:ln>
+          </p:spPr>
+          <p:style>
+            <a:lnRef idx="1">
+              <a:schemeClr val="accent1"/>
+            </a:lnRef>
+            <a:fillRef idx="0">
+              <a:schemeClr val="accent1"/>
+            </a:fillRef>
+            <a:effectRef idx="0">
+              <a:schemeClr val="accent1"/>
+            </a:effectRef>
+            <a:fontRef idx="minor">
+              <a:schemeClr val="tx1"/>
+            </a:fontRef>
+          </p:style>
+        </p:cxnSp>
+        <p:sp>
+          <p:nvSpPr>
+            <p:cNvPr id="61" name="60 Rectángulo"/>
+            <p:cNvSpPr/>
+            <p:nvPr/>
+          </p:nvSpPr>
+          <p:spPr>
+            <a:xfrm>
+              <a:off x="7908052" y="2430604"/>
+              <a:ext cx="216024" cy="645976"/>
+            </a:xfrm>
+            <a:prstGeom prst="rect">
+              <a:avLst/>
+            </a:prstGeom>
+            <a:noFill/>
+            <a:ln>
+              <a:solidFill>
+                <a:schemeClr val="tx1"/>
+              </a:solidFill>
+            </a:ln>
+          </p:spPr>
+          <p:style>
+            <a:lnRef idx="2">
+              <a:schemeClr val="accent1">
+                <a:shade val="50000"/>
+              </a:schemeClr>
+            </a:lnRef>
+            <a:fillRef idx="1">
+              <a:schemeClr val="accent1"/>
+            </a:fillRef>
+            <a:effectRef idx="0">
+              <a:schemeClr val="accent1"/>
+            </a:effectRef>
+            <a:fontRef idx="minor">
+              <a:schemeClr val="lt1"/>
+            </a:fontRef>
+          </p:style>
+          <p:txBody>
+            <a:bodyPr rtlCol="0" anchor="ctr"/>
+            <a:lstStyle/>
+            <a:p>
+              <a:pPr algn="ctr"/>
+              <a:endParaRPr lang="en-US"/>
+            </a:p>
+          </p:txBody>
+        </p:sp>
+        <p:cxnSp>
+          <p:nvCxnSpPr>
+            <p:cNvPr id="63" name="62 Conector recto"/>
+            <p:cNvCxnSpPr>
+              <a:endCxn id="61" idx="0"/>
+            </p:cNvCxnSpPr>
+            <p:nvPr/>
+          </p:nvCxnSpPr>
+          <p:spPr>
+            <a:xfrm>
+              <a:off x="8016064" y="2317692"/>
+              <a:ext cx="0" cy="112912"/>
+            </a:xfrm>
+            <a:prstGeom prst="line">
+              <a:avLst/>
+            </a:prstGeom>
+            <a:ln w="25400">
+              <a:solidFill>
+                <a:schemeClr val="tx1"/>
+              </a:solidFill>
+            </a:ln>
+          </p:spPr>
+          <p:style>
+            <a:lnRef idx="1">
+              <a:schemeClr val="accent1"/>
+            </a:lnRef>
+            <a:fillRef idx="0">
+              <a:schemeClr val="accent1"/>
+            </a:fillRef>
+            <a:effectRef idx="0">
+              <a:schemeClr val="accent1"/>
+            </a:effectRef>
+            <a:fontRef idx="minor">
+              <a:schemeClr val="tx1"/>
+            </a:fontRef>
+          </p:style>
+        </p:cxnSp>
+        <p:cxnSp>
+          <p:nvCxnSpPr>
+            <p:cNvPr id="65" name="64 Conector recto"/>
+            <p:cNvCxnSpPr/>
+            <p:nvPr/>
+          </p:nvCxnSpPr>
+          <p:spPr>
+            <a:xfrm>
+              <a:off x="8016064" y="3076580"/>
+              <a:ext cx="0" cy="112912"/>
+            </a:xfrm>
+            <a:prstGeom prst="line">
+              <a:avLst/>
+            </a:prstGeom>
+            <a:ln w="25400">
+              <a:solidFill>
+                <a:schemeClr val="tx1"/>
+              </a:solidFill>
+            </a:ln>
+          </p:spPr>
+          <p:style>
+            <a:lnRef idx="1">
+              <a:schemeClr val="accent1"/>
+            </a:lnRef>
+            <a:fillRef idx="0">
+              <a:schemeClr val="accent1"/>
+            </a:fillRef>
+            <a:effectRef idx="0">
+              <a:schemeClr val="accent1"/>
+            </a:effectRef>
+            <a:fontRef idx="minor">
+              <a:schemeClr val="tx1"/>
+            </a:fontRef>
+          </p:style>
+        </p:cxnSp>
+        <p:cxnSp>
+          <p:nvCxnSpPr>
+            <p:cNvPr id="66" name="65 Conector recto"/>
+            <p:cNvCxnSpPr/>
+            <p:nvPr/>
+          </p:nvCxnSpPr>
+          <p:spPr>
+            <a:xfrm flipH="1">
+              <a:off x="7556492" y="3189492"/>
+              <a:ext cx="459396" cy="0"/>
+            </a:xfrm>
+            <a:prstGeom prst="line">
+              <a:avLst/>
+            </a:prstGeom>
+            <a:ln w="25400">
+              <a:solidFill>
+                <a:schemeClr val="tx1"/>
+              </a:solidFill>
+            </a:ln>
+          </p:spPr>
+          <p:style>
+            <a:lnRef idx="1">
+              <a:schemeClr val="accent1"/>
+            </a:lnRef>
+            <a:fillRef idx="0">
+              <a:schemeClr val="accent1"/>
+            </a:fillRef>
+            <a:effectRef idx="0">
+              <a:schemeClr val="accent1"/>
+            </a:effectRef>
+            <a:fontRef idx="minor">
+              <a:schemeClr val="tx1"/>
+            </a:fontRef>
+          </p:style>
+        </p:cxnSp>
+        <p:sp>
+          <p:nvSpPr>
+            <p:cNvPr id="69" name="68 CuadroTexto"/>
+            <p:cNvSpPr txBox="1"/>
+            <p:nvPr/>
+          </p:nvSpPr>
+          <p:spPr>
+            <a:xfrm>
+              <a:off x="8124076" y="2568926"/>
               <a:ext cx="504056" cy="369332"/>
             </a:xfrm>
             <a:prstGeom prst="rect">
@@ -3465,14 +4731,14 @@
         </p:sp>
         <p:sp>
           <p:nvSpPr>
-            <p:cNvPr id="22" name="21 CuadroTexto"/>
+            <p:cNvPr id="70" name="69 CuadroTexto"/>
             <p:cNvSpPr txBox="1"/>
             <p:nvPr/>
           </p:nvSpPr>
           <p:spPr>
             <a:xfrm>
-              <a:off x="2629970" y="2020198"/>
-              <a:ext cx="862694" cy="369332"/>
+              <a:off x="7052241" y="2610986"/>
+              <a:ext cx="504056" cy="369332"/>
             </a:xfrm>
             <a:prstGeom prst="rect">
               <a:avLst/>
@@ -3487,21 +4753,509 @@
             <a:p>
               <a:r>
                 <a:rPr lang="es-AR" dirty="0" smtClean="0"/>
-                <a:t>Diodo</a:t>
+                <a:t>C</a:t>
               </a:r>
               <a:endParaRPr lang="en-US" dirty="0"/>
             </a:p>
           </p:txBody>
         </p:sp>
+        <mc:AlternateContent xmlns:mc="http://schemas.openxmlformats.org/markup-compatibility/2006">
+          <mc:Choice xmlns:a14="http://schemas.microsoft.com/office/drawing/2010/main" Requires="a14">
+            <p:sp>
+              <p:nvSpPr>
+                <p:cNvPr id="72" name="71 CuadroTexto"/>
+                <p:cNvSpPr txBox="1"/>
+                <p:nvPr/>
+              </p:nvSpPr>
+              <p:spPr>
+                <a:xfrm>
+                  <a:off x="7771038" y="1876182"/>
+                  <a:ext cx="936104" cy="369332"/>
+                </a:xfrm>
+                <a:prstGeom prst="rect">
+                  <a:avLst/>
+                </a:prstGeom>
+                <a:noFill/>
+              </p:spPr>
+              <p:txBody>
+                <a:bodyPr wrap="square" rtlCol="0">
+                  <a:spAutoFit/>
+                </a:bodyPr>
+                <a:lstStyle/>
+                <a:p>
+                  <a14:m>
+                    <m:oMathPara xmlns:m="http://schemas.openxmlformats.org/officeDocument/2006/math">
+                      <m:oMathParaPr>
+                        <m:jc m:val="centerGroup"/>
+                      </m:oMathParaPr>
+                      <m:oMath xmlns:m="http://schemas.openxmlformats.org/officeDocument/2006/math">
+                        <m:sSub>
+                          <m:sSubPr>
+                            <m:ctrlPr>
+                              <a:rPr lang="en-US" i="1" smtClean="0">
+                                <a:latin typeface="Cambria Math"/>
+                              </a:rPr>
+                            </m:ctrlPr>
+                          </m:sSubPr>
+                          <m:e>
+                            <m:r>
+                              <a:rPr lang="es-AR" b="0" i="1" smtClean="0">
+                                <a:latin typeface="Cambria Math"/>
+                              </a:rPr>
+                              <m:t>𝑉</m:t>
+                            </m:r>
+                          </m:e>
+                          <m:sub>
+                            <m:r>
+                              <a:rPr lang="es-AR" b="0" i="1" smtClean="0">
+                                <a:latin typeface="Cambria Math"/>
+                              </a:rPr>
+                              <m:t>𝑜𝑢𝑡</m:t>
+                            </m:r>
+                          </m:sub>
+                        </m:sSub>
+                      </m:oMath>
+                    </m:oMathPara>
+                  </a14:m>
+                  <a:endParaRPr lang="en-US" dirty="0"/>
+                </a:p>
+              </p:txBody>
+            </p:sp>
+          </mc:Choice>
+          <mc:Fallback>
+            <p:sp>
+              <p:nvSpPr>
+                <p:cNvPr id="72" name="71 CuadroTexto"/>
+                <p:cNvSpPr txBox="1">
+                  <a:spLocks noRot="1" noChangeAspect="1" noMove="1" noResize="1" noEditPoints="1" noAdjustHandles="1" noChangeArrowheads="1" noChangeShapeType="1" noTextEdit="1"/>
+                </p:cNvSpPr>
+                <p:nvPr/>
+              </p:nvSpPr>
+              <p:spPr>
+                <a:xfrm>
+                  <a:off x="7771038" y="1876182"/>
+                  <a:ext cx="936104" cy="369332"/>
+                </a:xfrm>
+                <a:prstGeom prst="rect">
+                  <a:avLst/>
+                </a:prstGeom>
+                <a:blipFill rotWithShape="1">
+                  <a:blip r:embed="rId4"/>
+                  <a:stretch>
+                    <a:fillRect/>
+                  </a:stretch>
+                </a:blipFill>
+              </p:spPr>
+              <p:txBody>
+                <a:bodyPr/>
+                <a:lstStyle/>
+                <a:p>
+                  <a:r>
+                    <a:rPr lang="en-US">
+                      <a:noFill/>
+                    </a:rPr>
+                    <a:t> </a:t>
+                  </a:r>
+                </a:p>
+              </p:txBody>
+            </p:sp>
+          </mc:Fallback>
+        </mc:AlternateContent>
+        <p:cxnSp>
+          <p:nvCxnSpPr>
+            <p:cNvPr id="73" name="72 Conector recto"/>
+            <p:cNvCxnSpPr/>
+            <p:nvPr/>
+          </p:nvCxnSpPr>
+          <p:spPr>
+            <a:xfrm>
+              <a:off x="6776980" y="2596158"/>
+              <a:ext cx="0" cy="391780"/>
+            </a:xfrm>
+            <a:prstGeom prst="line">
+              <a:avLst/>
+            </a:prstGeom>
+            <a:ln w="25400">
+              <a:solidFill>
+                <a:schemeClr val="tx1"/>
+              </a:solidFill>
+            </a:ln>
+          </p:spPr>
+          <p:style>
+            <a:lnRef idx="1">
+              <a:schemeClr val="accent1"/>
+            </a:lnRef>
+            <a:fillRef idx="0">
+              <a:schemeClr val="accent1"/>
+            </a:fillRef>
+            <a:effectRef idx="0">
+              <a:schemeClr val="accent1"/>
+            </a:effectRef>
+            <a:fontRef idx="minor">
+              <a:schemeClr val="tx1"/>
+            </a:fontRef>
+          </p:style>
+        </p:cxnSp>
+        <p:cxnSp>
+          <p:nvCxnSpPr>
+            <p:cNvPr id="75" name="74 Conector recto"/>
+            <p:cNvCxnSpPr/>
+            <p:nvPr/>
+          </p:nvCxnSpPr>
+          <p:spPr>
+            <a:xfrm>
+              <a:off x="6776980" y="1641314"/>
+              <a:ext cx="0" cy="391780"/>
+            </a:xfrm>
+            <a:prstGeom prst="line">
+              <a:avLst/>
+            </a:prstGeom>
+            <a:ln w="25400">
+              <a:solidFill>
+                <a:schemeClr val="tx1"/>
+              </a:solidFill>
+            </a:ln>
+          </p:spPr>
+          <p:style>
+            <a:lnRef idx="1">
+              <a:schemeClr val="accent1"/>
+            </a:lnRef>
+            <a:fillRef idx="0">
+              <a:schemeClr val="accent1"/>
+            </a:fillRef>
+            <a:effectRef idx="0">
+              <a:schemeClr val="accent1"/>
+            </a:effectRef>
+            <a:fontRef idx="minor">
+              <a:schemeClr val="tx1"/>
+            </a:fontRef>
+          </p:style>
+        </p:cxnSp>
+        <mc:AlternateContent xmlns:mc="http://schemas.openxmlformats.org/markup-compatibility/2006">
+          <mc:Choice xmlns:a14="http://schemas.microsoft.com/office/drawing/2010/main" Requires="a14">
+            <p:sp>
+              <p:nvSpPr>
+                <p:cNvPr id="76" name="75 CuadroTexto"/>
+                <p:cNvSpPr txBox="1"/>
+                <p:nvPr/>
+              </p:nvSpPr>
+              <p:spPr>
+                <a:xfrm>
+                  <a:off x="6306028" y="1344216"/>
+                  <a:ext cx="936104" cy="369332"/>
+                </a:xfrm>
+                <a:prstGeom prst="rect">
+                  <a:avLst/>
+                </a:prstGeom>
+                <a:noFill/>
+              </p:spPr>
+              <p:txBody>
+                <a:bodyPr wrap="square" rtlCol="0">
+                  <a:spAutoFit/>
+                </a:bodyPr>
+                <a:lstStyle/>
+                <a:p>
+                  <a14:m>
+                    <m:oMathPara xmlns:m="http://schemas.openxmlformats.org/officeDocument/2006/math">
+                      <m:oMathParaPr>
+                        <m:jc m:val="centerGroup"/>
+                      </m:oMathParaPr>
+                      <m:oMath xmlns:m="http://schemas.openxmlformats.org/officeDocument/2006/math">
+                        <m:r>
+                          <a:rPr lang="es-AR" i="1" smtClean="0">
+                            <a:latin typeface="Cambria Math"/>
+                          </a:rPr>
+                          <m:t>𝑉</m:t>
+                        </m:r>
+                        <m:r>
+                          <a:rPr lang="es-AR" b="0" i="1" smtClean="0">
+                            <a:latin typeface="Cambria Math"/>
+                          </a:rPr>
+                          <m:t>𝑐𝑐</m:t>
+                        </m:r>
+                      </m:oMath>
+                    </m:oMathPara>
+                  </a14:m>
+                  <a:endParaRPr lang="en-US" dirty="0"/>
+                </a:p>
+              </p:txBody>
+            </p:sp>
+          </mc:Choice>
+          <mc:Fallback>
+            <p:sp>
+              <p:nvSpPr>
+                <p:cNvPr id="76" name="75 CuadroTexto"/>
+                <p:cNvSpPr txBox="1">
+                  <a:spLocks noRot="1" noChangeAspect="1" noMove="1" noResize="1" noEditPoints="1" noAdjustHandles="1" noChangeArrowheads="1" noChangeShapeType="1" noTextEdit="1"/>
+                </p:cNvSpPr>
+                <p:nvPr/>
+              </p:nvSpPr>
+              <p:spPr>
+                <a:xfrm>
+                  <a:off x="6306028" y="1344216"/>
+                  <a:ext cx="936104" cy="369332"/>
+                </a:xfrm>
+                <a:prstGeom prst="rect">
+                  <a:avLst/>
+                </a:prstGeom>
+                <a:blipFill rotWithShape="1">
+                  <a:blip r:embed="rId5"/>
+                  <a:stretch>
+                    <a:fillRect/>
+                  </a:stretch>
+                </a:blipFill>
+              </p:spPr>
+              <p:txBody>
+                <a:bodyPr/>
+                <a:lstStyle/>
+                <a:p>
+                  <a:r>
+                    <a:rPr lang="en-US">
+                      <a:noFill/>
+                    </a:rPr>
+                    <a:t> </a:t>
+                  </a:r>
+                </a:p>
+              </p:txBody>
+            </p:sp>
+          </mc:Fallback>
+        </mc:AlternateContent>
+        <mc:AlternateContent xmlns:mc="http://schemas.openxmlformats.org/markup-compatibility/2006">
+          <mc:Choice xmlns:a14="http://schemas.microsoft.com/office/drawing/2010/main" Requires="a14">
+            <p:sp>
+              <p:nvSpPr>
+                <p:cNvPr id="77" name="76 CuadroTexto"/>
+                <p:cNvSpPr txBox="1"/>
+                <p:nvPr/>
+              </p:nvSpPr>
+              <p:spPr>
+                <a:xfrm>
+                  <a:off x="6298409" y="2948370"/>
+                  <a:ext cx="936104" cy="369332"/>
+                </a:xfrm>
+                <a:prstGeom prst="rect">
+                  <a:avLst/>
+                </a:prstGeom>
+                <a:noFill/>
+              </p:spPr>
+              <p:txBody>
+                <a:bodyPr wrap="square" rtlCol="0">
+                  <a:spAutoFit/>
+                </a:bodyPr>
+                <a:lstStyle/>
+                <a:p>
+                  <a14:m>
+                    <m:oMathPara xmlns:m="http://schemas.openxmlformats.org/officeDocument/2006/math">
+                      <m:oMathParaPr>
+                        <m:jc m:val="centerGroup"/>
+                      </m:oMathParaPr>
+                      <m:oMath xmlns:m="http://schemas.openxmlformats.org/officeDocument/2006/math">
+                        <m:r>
+                          <a:rPr lang="es-AR" b="0" i="1" smtClean="0">
+                            <a:latin typeface="Cambria Math"/>
+                          </a:rPr>
+                          <m:t>−</m:t>
+                        </m:r>
+                        <m:r>
+                          <a:rPr lang="es-AR" i="1" smtClean="0">
+                            <a:latin typeface="Cambria Math"/>
+                          </a:rPr>
+                          <m:t>𝑉</m:t>
+                        </m:r>
+                        <m:r>
+                          <a:rPr lang="es-AR" b="0" i="1" smtClean="0">
+                            <a:latin typeface="Cambria Math"/>
+                          </a:rPr>
+                          <m:t>𝑐𝑐</m:t>
+                        </m:r>
+                      </m:oMath>
+                    </m:oMathPara>
+                  </a14:m>
+                  <a:endParaRPr lang="en-US" dirty="0"/>
+                </a:p>
+              </p:txBody>
+            </p:sp>
+          </mc:Choice>
+          <mc:Fallback>
+            <p:sp>
+              <p:nvSpPr>
+                <p:cNvPr id="77" name="76 CuadroTexto"/>
+                <p:cNvSpPr txBox="1">
+                  <a:spLocks noRot="1" noChangeAspect="1" noMove="1" noResize="1" noEditPoints="1" noAdjustHandles="1" noChangeArrowheads="1" noChangeShapeType="1" noTextEdit="1"/>
+                </p:cNvSpPr>
+                <p:nvPr/>
+              </p:nvSpPr>
+              <p:spPr>
+                <a:xfrm>
+                  <a:off x="6298409" y="2948370"/>
+                  <a:ext cx="936104" cy="369332"/>
+                </a:xfrm>
+                <a:prstGeom prst="rect">
+                  <a:avLst/>
+                </a:prstGeom>
+                <a:blipFill rotWithShape="1">
+                  <a:blip r:embed="rId6"/>
+                  <a:stretch>
+                    <a:fillRect/>
+                  </a:stretch>
+                </a:blipFill>
+              </p:spPr>
+              <p:txBody>
+                <a:bodyPr/>
+                <a:lstStyle/>
+                <a:p>
+                  <a:r>
+                    <a:rPr lang="en-US">
+                      <a:noFill/>
+                    </a:rPr>
+                    <a:t> </a:t>
+                  </a:r>
+                </a:p>
+              </p:txBody>
+            </p:sp>
+          </mc:Fallback>
+        </mc:AlternateContent>
+      </p:grpSp>
+      <p:sp>
+        <p:nvSpPr>
+          <p:cNvPr id="109" name="108 CuadroTexto"/>
+          <p:cNvSpPr txBox="1"/>
+          <p:nvPr/>
+        </p:nvSpPr>
+        <p:spPr>
+          <a:xfrm>
+            <a:off x="8376104" y="5015470"/>
+            <a:ext cx="504056" cy="369332"/>
+          </a:xfrm>
+          <a:prstGeom prst="rect">
+            <a:avLst/>
+          </a:prstGeom>
+          <a:noFill/>
+        </p:spPr>
+        <p:txBody>
+          <a:bodyPr wrap="square" rtlCol="0">
+            <a:spAutoFit/>
+          </a:bodyPr>
+          <a:lstStyle/>
+          <a:p>
+            <a:r>
+              <a:rPr lang="es-AR" dirty="0" smtClean="0"/>
+              <a:t>R</a:t>
+            </a:r>
+            <a:endParaRPr lang="en-US" dirty="0"/>
+          </a:p>
+        </p:txBody>
+      </p:sp>
+      <p:grpSp>
+        <p:nvGrpSpPr>
+          <p:cNvPr id="1033" name="1032 Grupo"/>
+          <p:cNvGrpSpPr/>
+          <p:nvPr/>
+        </p:nvGrpSpPr>
+        <p:grpSpPr>
+          <a:xfrm>
+            <a:off x="3683536" y="3953738"/>
+            <a:ext cx="3379058" cy="2715622"/>
+            <a:chOff x="3683536" y="3953738"/>
+            <a:chExt cx="3379058" cy="2715622"/>
+          </a:xfrm>
+        </p:grpSpPr>
         <p:sp>
           <p:nvSpPr>
-            <p:cNvPr id="26" name="25 Elipse"/>
+            <p:cNvPr id="85" name="84 Triángulo isósceles"/>
             <p:cNvSpPr/>
             <p:nvPr/>
           </p:nvSpPr>
           <p:spPr>
             <a:xfrm>
-              <a:off x="2172876" y="3611116"/>
+              <a:off x="4619640" y="4157248"/>
+              <a:ext cx="1080120" cy="936104"/>
+            </a:xfrm>
+            <a:prstGeom prst="triangle">
+              <a:avLst/>
+            </a:prstGeom>
+            <a:noFill/>
+            <a:ln>
+              <a:solidFill>
+                <a:schemeClr val="tx1"/>
+              </a:solidFill>
+            </a:ln>
+            <a:scene3d>
+              <a:camera prst="orthographicFront">
+                <a:rot lat="0" lon="0" rev="16200000"/>
+              </a:camera>
+              <a:lightRig rig="threePt" dir="t"/>
+            </a:scene3d>
+          </p:spPr>
+          <p:style>
+            <a:lnRef idx="2">
+              <a:schemeClr val="accent1">
+                <a:shade val="50000"/>
+              </a:schemeClr>
+            </a:lnRef>
+            <a:fillRef idx="1">
+              <a:schemeClr val="accent1"/>
+            </a:fillRef>
+            <a:effectRef idx="0">
+              <a:schemeClr val="accent1"/>
+            </a:effectRef>
+            <a:fontRef idx="minor">
+              <a:schemeClr val="lt1"/>
+            </a:fontRef>
+          </p:style>
+          <p:txBody>
+            <a:bodyPr rtlCol="0" anchor="ctr"/>
+            <a:lstStyle/>
+            <a:p>
+              <a:pPr algn="ctr"/>
+              <a:endParaRPr lang="en-US"/>
+            </a:p>
+          </p:txBody>
+        </p:sp>
+        <p:cxnSp>
+          <p:nvCxnSpPr>
+            <p:cNvPr id="86" name="85 Conector recto"/>
+            <p:cNvCxnSpPr/>
+            <p:nvPr/>
+          </p:nvCxnSpPr>
+          <p:spPr>
+            <a:xfrm>
+              <a:off x="5617117" y="4630824"/>
+              <a:ext cx="1018747" cy="0"/>
+            </a:xfrm>
+            <a:prstGeom prst="line">
+              <a:avLst/>
+            </a:prstGeom>
+            <a:ln w="25400">
+              <a:solidFill>
+                <a:schemeClr val="tx1"/>
+              </a:solidFill>
+            </a:ln>
+          </p:spPr>
+          <p:style>
+            <a:lnRef idx="1">
+              <a:schemeClr val="accent1"/>
+            </a:lnRef>
+            <a:fillRef idx="0">
+              <a:schemeClr val="accent1"/>
+            </a:fillRef>
+            <a:effectRef idx="0">
+              <a:schemeClr val="accent1"/>
+            </a:effectRef>
+            <a:fontRef idx="minor">
+              <a:schemeClr val="tx1"/>
+            </a:fontRef>
+          </p:style>
+        </p:cxnSp>
+        <p:sp>
+          <p:nvSpPr>
+            <p:cNvPr id="87" name="86 Elipse"/>
+            <p:cNvSpPr/>
+            <p:nvPr/>
+          </p:nvSpPr>
+          <p:spPr>
+            <a:xfrm>
+              <a:off x="6599860" y="4590678"/>
               <a:ext cx="72008" cy="72008"/>
             </a:xfrm>
             <a:prstGeom prst="ellipse">
@@ -3541,15 +5295,145 @@
             </a:p>
           </p:txBody>
         </p:sp>
+        <p:cxnSp>
+          <p:nvCxnSpPr>
+            <p:cNvPr id="88" name="87 Conector recto"/>
+            <p:cNvCxnSpPr/>
+            <p:nvPr/>
+          </p:nvCxnSpPr>
+          <p:spPr>
+            <a:xfrm>
+              <a:off x="4259600" y="4373272"/>
+              <a:ext cx="432048" cy="0"/>
+            </a:xfrm>
+            <a:prstGeom prst="line">
+              <a:avLst/>
+            </a:prstGeom>
+            <a:ln w="25400">
+              <a:solidFill>
+                <a:schemeClr val="tx1"/>
+              </a:solidFill>
+            </a:ln>
+          </p:spPr>
+          <p:style>
+            <a:lnRef idx="1">
+              <a:schemeClr val="accent1"/>
+            </a:lnRef>
+            <a:fillRef idx="0">
+              <a:schemeClr val="accent1"/>
+            </a:fillRef>
+            <a:effectRef idx="0">
+              <a:schemeClr val="accent1"/>
+            </a:effectRef>
+            <a:fontRef idx="minor">
+              <a:schemeClr val="tx1"/>
+            </a:fontRef>
+          </p:style>
+        </p:cxnSp>
+        <p:cxnSp>
+          <p:nvCxnSpPr>
+            <p:cNvPr id="92" name="91 Conector recto"/>
+            <p:cNvCxnSpPr/>
+            <p:nvPr/>
+          </p:nvCxnSpPr>
+          <p:spPr>
+            <a:xfrm>
+              <a:off x="4259600" y="4873156"/>
+              <a:ext cx="432048" cy="0"/>
+            </a:xfrm>
+            <a:prstGeom prst="line">
+              <a:avLst/>
+            </a:prstGeom>
+            <a:ln w="25400">
+              <a:solidFill>
+                <a:schemeClr val="tx1"/>
+              </a:solidFill>
+            </a:ln>
+          </p:spPr>
+          <p:style>
+            <a:lnRef idx="1">
+              <a:schemeClr val="accent1"/>
+            </a:lnRef>
+            <a:fillRef idx="0">
+              <a:schemeClr val="accent1"/>
+            </a:fillRef>
+            <a:effectRef idx="0">
+              <a:schemeClr val="accent1"/>
+            </a:effectRef>
+            <a:fontRef idx="minor">
+              <a:schemeClr val="tx1"/>
+            </a:fontRef>
+          </p:style>
+        </p:cxnSp>
         <p:sp>
           <p:nvSpPr>
-            <p:cNvPr id="27" name="26 Elipse"/>
+            <p:cNvPr id="93" name="92 CuadroTexto"/>
+            <p:cNvSpPr txBox="1"/>
+            <p:nvPr/>
+          </p:nvSpPr>
+          <p:spPr>
+            <a:xfrm>
+              <a:off x="4691648" y="4664448"/>
+              <a:ext cx="440784" cy="369332"/>
+            </a:xfrm>
+            <a:prstGeom prst="rect">
+              <a:avLst/>
+            </a:prstGeom>
+            <a:noFill/>
+          </p:spPr>
+          <p:txBody>
+            <a:bodyPr wrap="square" rtlCol="0">
+              <a:spAutoFit/>
+            </a:bodyPr>
+            <a:lstStyle/>
+            <a:p>
+              <a:r>
+                <a:rPr lang="es-AR" dirty="0" smtClean="0"/>
+                <a:t>-</a:t>
+              </a:r>
+              <a:endParaRPr lang="en-US" dirty="0"/>
+            </a:p>
+          </p:txBody>
+        </p:sp>
+        <p:sp>
+          <p:nvSpPr>
+            <p:cNvPr id="94" name="93 CuadroTexto"/>
+            <p:cNvSpPr txBox="1"/>
+            <p:nvPr/>
+          </p:nvSpPr>
+          <p:spPr>
+            <a:xfrm>
+              <a:off x="4655133" y="4188130"/>
+              <a:ext cx="440784" cy="369332"/>
+            </a:xfrm>
+            <a:prstGeom prst="rect">
+              <a:avLst/>
+            </a:prstGeom>
+            <a:noFill/>
+          </p:spPr>
+          <p:txBody>
+            <a:bodyPr wrap="square" rtlCol="0">
+              <a:spAutoFit/>
+            </a:bodyPr>
+            <a:lstStyle/>
+            <a:p>
+              <a:r>
+                <a:rPr lang="es-AR" dirty="0"/>
+                <a:t>+</a:t>
+              </a:r>
+              <a:endParaRPr lang="en-US" dirty="0"/>
+            </a:p>
+          </p:txBody>
+        </p:sp>
+        <p:sp>
+          <p:nvSpPr>
+            <p:cNvPr id="95" name="94 Elipse"/>
             <p:cNvSpPr/>
             <p:nvPr/>
           </p:nvSpPr>
           <p:spPr>
             <a:xfrm>
-              <a:off x="2172876" y="2492896"/>
+              <a:off x="4198444" y="4340156"/>
               <a:ext cx="72008" cy="72008"/>
             </a:xfrm>
             <a:prstGeom prst="ellipse">
@@ -3589,28 +5473,307 @@
             </a:p>
           </p:txBody>
         </p:sp>
+        <p:grpSp>
+          <p:nvGrpSpPr>
+            <p:cNvPr id="96" name="95 Grupo"/>
+            <p:cNvGrpSpPr/>
+            <p:nvPr/>
+          </p:nvGrpSpPr>
+          <p:grpSpPr>
+            <a:xfrm>
+              <a:off x="6098566" y="5060322"/>
+              <a:ext cx="296416" cy="105038"/>
+              <a:chOff x="6640036" y="2554930"/>
+              <a:chExt cx="296416" cy="105038"/>
+            </a:xfrm>
+          </p:grpSpPr>
+          <p:cxnSp>
+            <p:nvCxnSpPr>
+              <p:cNvPr id="97" name="96 Conector recto"/>
+              <p:cNvCxnSpPr/>
+              <p:nvPr/>
+            </p:nvCxnSpPr>
+            <p:spPr>
+              <a:xfrm>
+                <a:off x="6640036" y="2554930"/>
+                <a:ext cx="288032" cy="0"/>
+              </a:xfrm>
+              <a:prstGeom prst="line">
+                <a:avLst/>
+              </a:prstGeom>
+              <a:ln w="25400">
+                <a:solidFill>
+                  <a:schemeClr val="tx1"/>
+                </a:solidFill>
+              </a:ln>
+            </p:spPr>
+            <p:style>
+              <a:lnRef idx="1">
+                <a:schemeClr val="accent1"/>
+              </a:lnRef>
+              <a:fillRef idx="0">
+                <a:schemeClr val="accent1"/>
+              </a:fillRef>
+              <a:effectRef idx="0">
+                <a:schemeClr val="accent1"/>
+              </a:effectRef>
+              <a:fontRef idx="minor">
+                <a:schemeClr val="tx1"/>
+              </a:fontRef>
+            </p:style>
+          </p:cxnSp>
+          <p:cxnSp>
+            <p:nvCxnSpPr>
+              <p:cNvPr id="98" name="97 Conector recto"/>
+              <p:cNvCxnSpPr/>
+              <p:nvPr/>
+            </p:nvCxnSpPr>
+            <p:spPr>
+              <a:xfrm>
+                <a:off x="6648420" y="2659968"/>
+                <a:ext cx="288032" cy="0"/>
+              </a:xfrm>
+              <a:prstGeom prst="line">
+                <a:avLst/>
+              </a:prstGeom>
+              <a:ln w="25400">
+                <a:solidFill>
+                  <a:schemeClr val="tx1"/>
+                </a:solidFill>
+              </a:ln>
+            </p:spPr>
+            <p:style>
+              <a:lnRef idx="1">
+                <a:schemeClr val="accent1"/>
+              </a:lnRef>
+              <a:fillRef idx="0">
+                <a:schemeClr val="accent1"/>
+              </a:fillRef>
+              <a:effectRef idx="0">
+                <a:schemeClr val="accent1"/>
+              </a:effectRef>
+              <a:fontRef idx="minor">
+                <a:schemeClr val="tx1"/>
+              </a:fontRef>
+            </p:style>
+          </p:cxnSp>
+        </p:grpSp>
+        <p:cxnSp>
+          <p:nvCxnSpPr>
+            <p:cNvPr id="99" name="98 Conector recto"/>
+            <p:cNvCxnSpPr/>
+            <p:nvPr/>
+          </p:nvCxnSpPr>
+          <p:spPr>
+            <a:xfrm>
+              <a:off x="6243698" y="4637906"/>
+              <a:ext cx="0" cy="422416"/>
+            </a:xfrm>
+            <a:prstGeom prst="line">
+              <a:avLst/>
+            </a:prstGeom>
+            <a:ln w="25400">
+              <a:solidFill>
+                <a:schemeClr val="tx1"/>
+              </a:solidFill>
+            </a:ln>
+          </p:spPr>
+          <p:style>
+            <a:lnRef idx="1">
+              <a:schemeClr val="accent1"/>
+            </a:lnRef>
+            <a:fillRef idx="0">
+              <a:schemeClr val="accent1"/>
+            </a:fillRef>
+            <a:effectRef idx="0">
+              <a:schemeClr val="accent1"/>
+            </a:effectRef>
+            <a:fontRef idx="minor">
+              <a:schemeClr val="tx1"/>
+            </a:fontRef>
+          </p:style>
+        </p:cxnSp>
+        <p:grpSp>
+          <p:nvGrpSpPr>
+            <p:cNvPr id="100" name="99 Grupo"/>
+            <p:cNvGrpSpPr/>
+            <p:nvPr/>
+          </p:nvGrpSpPr>
+          <p:grpSpPr>
+            <a:xfrm>
+              <a:off x="6056196" y="5605028"/>
+              <a:ext cx="388012" cy="136396"/>
+              <a:chOff x="2008508" y="3796660"/>
+              <a:chExt cx="388012" cy="136396"/>
+            </a:xfrm>
+          </p:grpSpPr>
+          <p:cxnSp>
+            <p:nvCxnSpPr>
+              <p:cNvPr id="101" name="100 Conector recto"/>
+              <p:cNvCxnSpPr/>
+              <p:nvPr/>
+            </p:nvCxnSpPr>
+            <p:spPr>
+              <a:xfrm>
+                <a:off x="2008508" y="3796660"/>
+                <a:ext cx="388012" cy="0"/>
+              </a:xfrm>
+              <a:prstGeom prst="line">
+                <a:avLst/>
+              </a:prstGeom>
+              <a:ln w="25400">
+                <a:solidFill>
+                  <a:schemeClr val="tx1"/>
+                </a:solidFill>
+              </a:ln>
+            </p:spPr>
+            <p:style>
+              <a:lnRef idx="1">
+                <a:schemeClr val="accent1"/>
+              </a:lnRef>
+              <a:fillRef idx="0">
+                <a:schemeClr val="accent1"/>
+              </a:fillRef>
+              <a:effectRef idx="0">
+                <a:schemeClr val="accent1"/>
+              </a:effectRef>
+              <a:fontRef idx="minor">
+                <a:schemeClr val="tx1"/>
+              </a:fontRef>
+            </p:style>
+          </p:cxnSp>
+          <p:cxnSp>
+            <p:nvCxnSpPr>
+              <p:cNvPr id="102" name="101 Conector recto"/>
+              <p:cNvCxnSpPr/>
+              <p:nvPr/>
+            </p:nvCxnSpPr>
+            <p:spPr>
+              <a:xfrm>
+                <a:off x="2059340" y="3861048"/>
+                <a:ext cx="292067" cy="0"/>
+              </a:xfrm>
+              <a:prstGeom prst="line">
+                <a:avLst/>
+              </a:prstGeom>
+              <a:ln w="25400">
+                <a:solidFill>
+                  <a:schemeClr val="tx1"/>
+                </a:solidFill>
+              </a:ln>
+            </p:spPr>
+            <p:style>
+              <a:lnRef idx="1">
+                <a:schemeClr val="accent1"/>
+              </a:lnRef>
+              <a:fillRef idx="0">
+                <a:schemeClr val="accent1"/>
+              </a:fillRef>
+              <a:effectRef idx="0">
+                <a:schemeClr val="accent1"/>
+              </a:effectRef>
+              <a:fontRef idx="minor">
+                <a:schemeClr val="tx1"/>
+              </a:fontRef>
+            </p:style>
+          </p:cxnSp>
+          <p:cxnSp>
+            <p:nvCxnSpPr>
+              <p:cNvPr id="103" name="102 Conector recto"/>
+              <p:cNvCxnSpPr/>
+              <p:nvPr/>
+            </p:nvCxnSpPr>
+            <p:spPr>
+              <a:xfrm>
+                <a:off x="2102544" y="3933056"/>
+                <a:ext cx="219434" cy="0"/>
+              </a:xfrm>
+              <a:prstGeom prst="line">
+                <a:avLst/>
+              </a:prstGeom>
+              <a:ln w="25400">
+                <a:solidFill>
+                  <a:schemeClr val="tx1"/>
+                </a:solidFill>
+              </a:ln>
+            </p:spPr>
+            <p:style>
+              <a:lnRef idx="1">
+                <a:schemeClr val="accent1"/>
+              </a:lnRef>
+              <a:fillRef idx="0">
+                <a:schemeClr val="accent1"/>
+              </a:fillRef>
+              <a:effectRef idx="0">
+                <a:schemeClr val="accent1"/>
+              </a:effectRef>
+              <a:fontRef idx="minor">
+                <a:schemeClr val="tx1"/>
+              </a:fontRef>
+            </p:style>
+          </p:cxnSp>
+        </p:grpSp>
+        <p:cxnSp>
+          <p:nvCxnSpPr>
+            <p:cNvPr id="104" name="103 Conector recto"/>
+            <p:cNvCxnSpPr/>
+            <p:nvPr/>
+          </p:nvCxnSpPr>
+          <p:spPr>
+            <a:xfrm>
+              <a:off x="6253061" y="5179122"/>
+              <a:ext cx="0" cy="425906"/>
+            </a:xfrm>
+            <a:prstGeom prst="line">
+              <a:avLst/>
+            </a:prstGeom>
+            <a:ln w="25400">
+              <a:solidFill>
+                <a:schemeClr val="tx1"/>
+              </a:solidFill>
+            </a:ln>
+          </p:spPr>
+          <p:style>
+            <a:lnRef idx="1">
+              <a:schemeClr val="accent1"/>
+            </a:lnRef>
+            <a:fillRef idx="0">
+              <a:schemeClr val="accent1"/>
+            </a:fillRef>
+            <a:effectRef idx="0">
+              <a:schemeClr val="accent1"/>
+            </a:effectRef>
+            <a:fontRef idx="minor">
+              <a:schemeClr val="tx1"/>
+            </a:fontRef>
+          </p:style>
+        </p:cxnSp>
         <p:sp>
           <p:nvSpPr>
-            <p:cNvPr id="28" name="27 Elipse"/>
+            <p:cNvPr id="105" name="104 Rectángulo"/>
             <p:cNvSpPr/>
             <p:nvPr/>
           </p:nvSpPr>
           <p:spPr>
             <a:xfrm>
-              <a:off x="2180496" y="1844824"/>
-              <a:ext cx="72008" cy="72008"/>
+              <a:off x="5148064" y="5061814"/>
+              <a:ext cx="216024" cy="645976"/>
             </a:xfrm>
-            <a:prstGeom prst="ellipse">
+            <a:prstGeom prst="rect">
               <a:avLst/>
             </a:prstGeom>
-            <a:solidFill>
-              <a:schemeClr val="tx1"/>
-            </a:solidFill>
+            <a:noFill/>
             <a:ln>
               <a:solidFill>
                 <a:schemeClr val="tx1"/>
               </a:solidFill>
             </a:ln>
+            <a:scene3d>
+              <a:camera prst="orthographicFront">
+                <a:rot lat="0" lon="0" rev="5400000"/>
+              </a:camera>
+              <a:lightRig rig="threePt" dir="t"/>
+            </a:scene3d>
           </p:spPr>
           <p:style>
             <a:lnRef idx="2">
@@ -3639,26 +5802,22 @@
         </p:sp>
         <p:cxnSp>
           <p:nvCxnSpPr>
-            <p:cNvPr id="24" name="23 Conector recto de flecha"/>
+            <p:cNvPr id="106" name="105 Conector recto"/>
             <p:cNvCxnSpPr/>
             <p:nvPr/>
           </p:nvCxnSpPr>
           <p:spPr>
             <a:xfrm>
-              <a:off x="1403648" y="1880828"/>
-              <a:ext cx="663312" cy="0"/>
+              <a:off x="5580092" y="5384802"/>
+              <a:ext cx="202136" cy="0"/>
             </a:xfrm>
-            <a:prstGeom prst="straightConnector1">
+            <a:prstGeom prst="line">
               <a:avLst/>
             </a:prstGeom>
-            <a:ln w="15875">
+            <a:ln w="25400">
               <a:solidFill>
-                <a:schemeClr val="tx1">
-                  <a:lumMod val="75000"/>
-                  <a:lumOff val="25000"/>
-                </a:schemeClr>
+                <a:schemeClr val="tx1"/>
               </a:solidFill>
-              <a:tailEnd type="arrow"/>
             </a:ln>
           </p:spPr>
           <p:style>
@@ -3678,44 +5837,14 @@
         </p:cxnSp>
         <p:sp>
           <p:nvSpPr>
-            <p:cNvPr id="29" name="28 CuadroTexto"/>
+            <p:cNvPr id="110" name="109 CuadroTexto"/>
             <p:cNvSpPr txBox="1"/>
             <p:nvPr/>
           </p:nvSpPr>
           <p:spPr>
             <a:xfrm>
-              <a:off x="467544" y="1619218"/>
-              <a:ext cx="1152128" cy="523220"/>
-            </a:xfrm>
-            <a:prstGeom prst="rect">
-              <a:avLst/>
-            </a:prstGeom>
-            <a:noFill/>
-          </p:spPr>
-          <p:txBody>
-            <a:bodyPr wrap="square" rtlCol="0">
-              <a:spAutoFit/>
-            </a:bodyPr>
-            <a:lstStyle/>
-            <a:p>
-              <a:r>
-                <a:rPr lang="es-AR" sz="1400" dirty="0" smtClean="0"/>
-                <a:t>Puntos de medición</a:t>
-              </a:r>
-              <a:endParaRPr lang="en-US" sz="1400" dirty="0"/>
-            </a:p>
-          </p:txBody>
-        </p:sp>
-        <p:sp>
-          <p:nvSpPr>
-            <p:cNvPr id="32" name="31 CuadroTexto"/>
-            <p:cNvSpPr txBox="1"/>
-            <p:nvPr/>
-          </p:nvSpPr>
-          <p:spPr>
-            <a:xfrm>
-              <a:off x="2637570" y="1198493"/>
-              <a:ext cx="1718406" cy="646331"/>
+              <a:off x="6456548" y="4923410"/>
+              <a:ext cx="504056" cy="369332"/>
             </a:xfrm>
             <a:prstGeom prst="rect">
               <a:avLst/>
@@ -3730,7 +5859,577 @@
             <a:p>
               <a:r>
                 <a:rPr lang="es-AR" dirty="0" smtClean="0"/>
-                <a:t>Fuente de señales</a:t>
+                <a:t>C</a:t>
+              </a:r>
+              <a:endParaRPr lang="en-US" dirty="0"/>
+            </a:p>
+          </p:txBody>
+        </p:sp>
+        <mc:AlternateContent xmlns:mc="http://schemas.openxmlformats.org/markup-compatibility/2006">
+          <mc:Choice xmlns:a14="http://schemas.microsoft.com/office/drawing/2010/main" Requires="a14">
+            <p:sp>
+              <p:nvSpPr>
+                <p:cNvPr id="111" name="110 CuadroTexto"/>
+                <p:cNvSpPr txBox="1"/>
+                <p:nvPr/>
+              </p:nvSpPr>
+              <p:spPr>
+                <a:xfrm>
+                  <a:off x="3683536" y="3953738"/>
+                  <a:ext cx="936104" cy="369332"/>
+                </a:xfrm>
+                <a:prstGeom prst="rect">
+                  <a:avLst/>
+                </a:prstGeom>
+                <a:noFill/>
+              </p:spPr>
+              <p:txBody>
+                <a:bodyPr wrap="square" rtlCol="0">
+                  <a:spAutoFit/>
+                </a:bodyPr>
+                <a:lstStyle/>
+                <a:p>
+                  <a14:m>
+                    <m:oMathPara xmlns:m="http://schemas.openxmlformats.org/officeDocument/2006/math">
+                      <m:oMathParaPr>
+                        <m:jc m:val="centerGroup"/>
+                      </m:oMathParaPr>
+                      <m:oMath xmlns:m="http://schemas.openxmlformats.org/officeDocument/2006/math">
+                        <m:sSub>
+                          <m:sSubPr>
+                            <m:ctrlPr>
+                              <a:rPr lang="en-US" i="1" smtClean="0">
+                                <a:latin typeface="Cambria Math"/>
+                              </a:rPr>
+                            </m:ctrlPr>
+                          </m:sSubPr>
+                          <m:e>
+                            <m:r>
+                              <a:rPr lang="es-AR" b="0" i="1" smtClean="0">
+                                <a:latin typeface="Cambria Math"/>
+                              </a:rPr>
+                              <m:t>𝑉</m:t>
+                            </m:r>
+                          </m:e>
+                          <m:sub>
+                            <m:r>
+                              <a:rPr lang="es-AR" b="0" i="1" smtClean="0">
+                                <a:latin typeface="Cambria Math"/>
+                              </a:rPr>
+                              <m:t>𝑖𝑛</m:t>
+                            </m:r>
+                          </m:sub>
+                        </m:sSub>
+                      </m:oMath>
+                    </m:oMathPara>
+                  </a14:m>
+                  <a:endParaRPr lang="en-US" dirty="0"/>
+                </a:p>
+              </p:txBody>
+            </p:sp>
+          </mc:Choice>
+          <mc:Fallback>
+            <p:sp>
+              <p:nvSpPr>
+                <p:cNvPr id="111" name="110 CuadroTexto"/>
+                <p:cNvSpPr txBox="1">
+                  <a:spLocks noRot="1" noChangeAspect="1" noMove="1" noResize="1" noEditPoints="1" noAdjustHandles="1" noChangeArrowheads="1" noChangeShapeType="1" noTextEdit="1"/>
+                </p:cNvSpPr>
+                <p:nvPr/>
+              </p:nvSpPr>
+              <p:spPr>
+                <a:xfrm>
+                  <a:off x="3683536" y="3953738"/>
+                  <a:ext cx="936104" cy="369332"/>
+                </a:xfrm>
+                <a:prstGeom prst="rect">
+                  <a:avLst/>
+                </a:prstGeom>
+                <a:blipFill rotWithShape="1">
+                  <a:blip r:embed="rId7"/>
+                  <a:stretch>
+                    <a:fillRect b="-1667"/>
+                  </a:stretch>
+                </a:blipFill>
+              </p:spPr>
+              <p:txBody>
+                <a:bodyPr/>
+                <a:lstStyle/>
+                <a:p>
+                  <a:r>
+                    <a:rPr lang="en-US">
+                      <a:noFill/>
+                    </a:rPr>
+                    <a:t> </a:t>
+                  </a:r>
+                </a:p>
+              </p:txBody>
+            </p:sp>
+          </mc:Fallback>
+        </mc:AlternateContent>
+        <mc:AlternateContent xmlns:mc="http://schemas.openxmlformats.org/markup-compatibility/2006">
+          <mc:Choice xmlns:a14="http://schemas.microsoft.com/office/drawing/2010/main" Requires="a14">
+            <p:sp>
+              <p:nvSpPr>
+                <p:cNvPr id="112" name="111 CuadroTexto"/>
+                <p:cNvSpPr txBox="1"/>
+                <p:nvPr/>
+              </p:nvSpPr>
+              <p:spPr>
+                <a:xfrm>
+                  <a:off x="6126490" y="4188606"/>
+                  <a:ext cx="936104" cy="369332"/>
+                </a:xfrm>
+                <a:prstGeom prst="rect">
+                  <a:avLst/>
+                </a:prstGeom>
+                <a:noFill/>
+              </p:spPr>
+              <p:txBody>
+                <a:bodyPr wrap="square" rtlCol="0">
+                  <a:spAutoFit/>
+                </a:bodyPr>
+                <a:lstStyle/>
+                <a:p>
+                  <a14:m>
+                    <m:oMathPara xmlns:m="http://schemas.openxmlformats.org/officeDocument/2006/math">
+                      <m:oMathParaPr>
+                        <m:jc m:val="centerGroup"/>
+                      </m:oMathParaPr>
+                      <m:oMath xmlns:m="http://schemas.openxmlformats.org/officeDocument/2006/math">
+                        <m:sSub>
+                          <m:sSubPr>
+                            <m:ctrlPr>
+                              <a:rPr lang="en-US" i="1" smtClean="0">
+                                <a:latin typeface="Cambria Math"/>
+                              </a:rPr>
+                            </m:ctrlPr>
+                          </m:sSubPr>
+                          <m:e>
+                            <m:r>
+                              <a:rPr lang="es-AR" b="0" i="1" smtClean="0">
+                                <a:latin typeface="Cambria Math"/>
+                              </a:rPr>
+                              <m:t>𝑉</m:t>
+                            </m:r>
+                          </m:e>
+                          <m:sub>
+                            <m:r>
+                              <a:rPr lang="es-AR" b="0" i="1" smtClean="0">
+                                <a:latin typeface="Cambria Math"/>
+                              </a:rPr>
+                              <m:t>𝑜𝑢𝑡</m:t>
+                            </m:r>
+                          </m:sub>
+                        </m:sSub>
+                      </m:oMath>
+                    </m:oMathPara>
+                  </a14:m>
+                  <a:endParaRPr lang="en-US" dirty="0"/>
+                </a:p>
+              </p:txBody>
+            </p:sp>
+          </mc:Choice>
+          <mc:Fallback>
+            <p:sp>
+              <p:nvSpPr>
+                <p:cNvPr id="112" name="111 CuadroTexto"/>
+                <p:cNvSpPr txBox="1">
+                  <a:spLocks noRot="1" noChangeAspect="1" noMove="1" noResize="1" noEditPoints="1" noAdjustHandles="1" noChangeArrowheads="1" noChangeShapeType="1" noTextEdit="1"/>
+                </p:cNvSpPr>
+                <p:nvPr/>
+              </p:nvSpPr>
+              <p:spPr>
+                <a:xfrm>
+                  <a:off x="6126490" y="4188606"/>
+                  <a:ext cx="936104" cy="369332"/>
+                </a:xfrm>
+                <a:prstGeom prst="rect">
+                  <a:avLst/>
+                </a:prstGeom>
+                <a:blipFill rotWithShape="1">
+                  <a:blip r:embed="rId8"/>
+                  <a:stretch>
+                    <a:fillRect/>
+                  </a:stretch>
+                </a:blipFill>
+              </p:spPr>
+              <p:txBody>
+                <a:bodyPr/>
+                <a:lstStyle/>
+                <a:p>
+                  <a:r>
+                    <a:rPr lang="en-US">
+                      <a:noFill/>
+                    </a:rPr>
+                    <a:t> </a:t>
+                  </a:r>
+                </a:p>
+              </p:txBody>
+            </p:sp>
+          </mc:Fallback>
+        </mc:AlternateContent>
+        <p:sp>
+          <p:nvSpPr>
+            <p:cNvPr id="119" name="118 Rectángulo"/>
+            <p:cNvSpPr/>
+            <p:nvPr/>
+          </p:nvSpPr>
+          <p:spPr>
+            <a:xfrm>
+              <a:off x="4162440" y="5618342"/>
+              <a:ext cx="216024" cy="645976"/>
+            </a:xfrm>
+            <a:prstGeom prst="rect">
+              <a:avLst/>
+            </a:prstGeom>
+            <a:noFill/>
+            <a:ln>
+              <a:solidFill>
+                <a:schemeClr val="tx1"/>
+              </a:solidFill>
+            </a:ln>
+          </p:spPr>
+          <p:style>
+            <a:lnRef idx="2">
+              <a:schemeClr val="accent1">
+                <a:shade val="50000"/>
+              </a:schemeClr>
+            </a:lnRef>
+            <a:fillRef idx="1">
+              <a:schemeClr val="accent1"/>
+            </a:fillRef>
+            <a:effectRef idx="0">
+              <a:schemeClr val="accent1"/>
+            </a:effectRef>
+            <a:fontRef idx="minor">
+              <a:schemeClr val="lt1"/>
+            </a:fontRef>
+          </p:style>
+          <p:txBody>
+            <a:bodyPr rtlCol="0" anchor="ctr"/>
+            <a:lstStyle/>
+            <a:p>
+              <a:pPr algn="ctr"/>
+              <a:endParaRPr lang="en-US"/>
+            </a:p>
+          </p:txBody>
+        </p:sp>
+        <p:grpSp>
+          <p:nvGrpSpPr>
+            <p:cNvPr id="120" name="119 Grupo"/>
+            <p:cNvGrpSpPr/>
+            <p:nvPr/>
+          </p:nvGrpSpPr>
+          <p:grpSpPr>
+            <a:xfrm>
+              <a:off x="4071020" y="6532964"/>
+              <a:ext cx="388012" cy="136396"/>
+              <a:chOff x="2008508" y="3796660"/>
+              <a:chExt cx="388012" cy="136396"/>
+            </a:xfrm>
+          </p:grpSpPr>
+          <p:cxnSp>
+            <p:nvCxnSpPr>
+              <p:cNvPr id="121" name="120 Conector recto"/>
+              <p:cNvCxnSpPr/>
+              <p:nvPr/>
+            </p:nvCxnSpPr>
+            <p:spPr>
+              <a:xfrm>
+                <a:off x="2008508" y="3796660"/>
+                <a:ext cx="388012" cy="0"/>
+              </a:xfrm>
+              <a:prstGeom prst="line">
+                <a:avLst/>
+              </a:prstGeom>
+              <a:ln w="25400">
+                <a:solidFill>
+                  <a:schemeClr val="tx1"/>
+                </a:solidFill>
+              </a:ln>
+            </p:spPr>
+            <p:style>
+              <a:lnRef idx="1">
+                <a:schemeClr val="accent1"/>
+              </a:lnRef>
+              <a:fillRef idx="0">
+                <a:schemeClr val="accent1"/>
+              </a:fillRef>
+              <a:effectRef idx="0">
+                <a:schemeClr val="accent1"/>
+              </a:effectRef>
+              <a:fontRef idx="minor">
+                <a:schemeClr val="tx1"/>
+              </a:fontRef>
+            </p:style>
+          </p:cxnSp>
+          <p:cxnSp>
+            <p:nvCxnSpPr>
+              <p:cNvPr id="122" name="121 Conector recto"/>
+              <p:cNvCxnSpPr/>
+              <p:nvPr/>
+            </p:nvCxnSpPr>
+            <p:spPr>
+              <a:xfrm>
+                <a:off x="2059340" y="3861048"/>
+                <a:ext cx="292067" cy="0"/>
+              </a:xfrm>
+              <a:prstGeom prst="line">
+                <a:avLst/>
+              </a:prstGeom>
+              <a:ln w="25400">
+                <a:solidFill>
+                  <a:schemeClr val="tx1"/>
+                </a:solidFill>
+              </a:ln>
+            </p:spPr>
+            <p:style>
+              <a:lnRef idx="1">
+                <a:schemeClr val="accent1"/>
+              </a:lnRef>
+              <a:fillRef idx="0">
+                <a:schemeClr val="accent1"/>
+              </a:fillRef>
+              <a:effectRef idx="0">
+                <a:schemeClr val="accent1"/>
+              </a:effectRef>
+              <a:fontRef idx="minor">
+                <a:schemeClr val="tx1"/>
+              </a:fontRef>
+            </p:style>
+          </p:cxnSp>
+          <p:cxnSp>
+            <p:nvCxnSpPr>
+              <p:cNvPr id="123" name="122 Conector recto"/>
+              <p:cNvCxnSpPr/>
+              <p:nvPr/>
+            </p:nvCxnSpPr>
+            <p:spPr>
+              <a:xfrm>
+                <a:off x="2102544" y="3933056"/>
+                <a:ext cx="219434" cy="0"/>
+              </a:xfrm>
+              <a:prstGeom prst="line">
+                <a:avLst/>
+              </a:prstGeom>
+              <a:ln w="25400">
+                <a:solidFill>
+                  <a:schemeClr val="tx1"/>
+                </a:solidFill>
+              </a:ln>
+            </p:spPr>
+            <p:style>
+              <a:lnRef idx="1">
+                <a:schemeClr val="accent1"/>
+              </a:lnRef>
+              <a:fillRef idx="0">
+                <a:schemeClr val="accent1"/>
+              </a:fillRef>
+              <a:effectRef idx="0">
+                <a:schemeClr val="accent1"/>
+              </a:effectRef>
+              <a:fontRef idx="minor">
+                <a:schemeClr val="tx1"/>
+              </a:fontRef>
+            </p:style>
+          </p:cxnSp>
+        </p:grpSp>
+        <p:cxnSp>
+          <p:nvCxnSpPr>
+            <p:cNvPr id="124" name="123 Conector recto"/>
+            <p:cNvCxnSpPr/>
+            <p:nvPr/>
+          </p:nvCxnSpPr>
+          <p:spPr>
+            <a:xfrm flipH="1">
+              <a:off x="4267885" y="6264318"/>
+              <a:ext cx="1018" cy="268646"/>
+            </a:xfrm>
+            <a:prstGeom prst="line">
+              <a:avLst/>
+            </a:prstGeom>
+            <a:ln w="25400">
+              <a:solidFill>
+                <a:schemeClr val="tx1"/>
+              </a:solidFill>
+            </a:ln>
+          </p:spPr>
+          <p:style>
+            <a:lnRef idx="1">
+              <a:schemeClr val="accent1"/>
+            </a:lnRef>
+            <a:fillRef idx="0">
+              <a:schemeClr val="accent1"/>
+            </a:fillRef>
+            <a:effectRef idx="0">
+              <a:schemeClr val="accent1"/>
+            </a:effectRef>
+            <a:fontRef idx="minor">
+              <a:schemeClr val="tx1"/>
+            </a:fontRef>
+          </p:style>
+        </p:cxnSp>
+        <p:cxnSp>
+          <p:nvCxnSpPr>
+            <p:cNvPr id="128" name="127 Conector recto"/>
+            <p:cNvCxnSpPr/>
+            <p:nvPr/>
+          </p:nvCxnSpPr>
+          <p:spPr>
+            <a:xfrm>
+              <a:off x="4263693" y="4869160"/>
+              <a:ext cx="0" cy="740646"/>
+            </a:xfrm>
+            <a:prstGeom prst="line">
+              <a:avLst/>
+            </a:prstGeom>
+            <a:ln w="25400">
+              <a:solidFill>
+                <a:schemeClr val="tx1"/>
+              </a:solidFill>
+            </a:ln>
+          </p:spPr>
+          <p:style>
+            <a:lnRef idx="1">
+              <a:schemeClr val="accent1"/>
+            </a:lnRef>
+            <a:fillRef idx="0">
+              <a:schemeClr val="accent1"/>
+            </a:fillRef>
+            <a:effectRef idx="0">
+              <a:schemeClr val="accent1"/>
+            </a:effectRef>
+            <a:fontRef idx="minor">
+              <a:schemeClr val="tx1"/>
+            </a:fontRef>
+          </p:style>
+        </p:cxnSp>
+        <p:cxnSp>
+          <p:nvCxnSpPr>
+            <p:cNvPr id="131" name="130 Conector recto"/>
+            <p:cNvCxnSpPr/>
+            <p:nvPr/>
+          </p:nvCxnSpPr>
+          <p:spPr>
+            <a:xfrm flipH="1">
+              <a:off x="4274773" y="5396076"/>
+              <a:ext cx="637267" cy="0"/>
+            </a:xfrm>
+            <a:prstGeom prst="line">
+              <a:avLst/>
+            </a:prstGeom>
+            <a:ln w="25400">
+              <a:solidFill>
+                <a:schemeClr val="tx1"/>
+              </a:solidFill>
+            </a:ln>
+          </p:spPr>
+          <p:style>
+            <a:lnRef idx="1">
+              <a:schemeClr val="accent1"/>
+            </a:lnRef>
+            <a:fillRef idx="0">
+              <a:schemeClr val="accent1"/>
+            </a:fillRef>
+            <a:effectRef idx="0">
+              <a:schemeClr val="accent1"/>
+            </a:effectRef>
+            <a:fontRef idx="minor">
+              <a:schemeClr val="tx1"/>
+            </a:fontRef>
+          </p:style>
+        </p:cxnSp>
+        <p:sp>
+          <p:nvSpPr>
+            <p:cNvPr id="136" name="135 CuadroTexto"/>
+            <p:cNvSpPr txBox="1"/>
+            <p:nvPr/>
+          </p:nvSpPr>
+          <p:spPr>
+            <a:xfrm>
+              <a:off x="5049805" y="4942594"/>
+              <a:ext cx="504056" cy="369332"/>
+            </a:xfrm>
+            <a:prstGeom prst="rect">
+              <a:avLst/>
+            </a:prstGeom>
+            <a:noFill/>
+          </p:spPr>
+          <p:txBody>
+            <a:bodyPr wrap="square" rtlCol="0">
+              <a:spAutoFit/>
+            </a:bodyPr>
+            <a:lstStyle/>
+            <a:p>
+              <a:r>
+                <a:rPr lang="es-AR" dirty="0" smtClean="0"/>
+                <a:t>R2</a:t>
+              </a:r>
+              <a:endParaRPr lang="en-US" dirty="0"/>
+            </a:p>
+          </p:txBody>
+        </p:sp>
+        <p:cxnSp>
+          <p:nvCxnSpPr>
+            <p:cNvPr id="137" name="136 Conector recto"/>
+            <p:cNvCxnSpPr/>
+            <p:nvPr/>
+          </p:nvCxnSpPr>
+          <p:spPr>
+            <a:xfrm flipV="1">
+              <a:off x="5782228" y="4638444"/>
+              <a:ext cx="0" cy="744942"/>
+            </a:xfrm>
+            <a:prstGeom prst="line">
+              <a:avLst/>
+            </a:prstGeom>
+            <a:ln w="25400">
+              <a:solidFill>
+                <a:schemeClr val="tx1"/>
+              </a:solidFill>
+            </a:ln>
+          </p:spPr>
+          <p:style>
+            <a:lnRef idx="1">
+              <a:schemeClr val="accent1"/>
+            </a:lnRef>
+            <a:fillRef idx="0">
+              <a:schemeClr val="accent1"/>
+            </a:fillRef>
+            <a:effectRef idx="0">
+              <a:schemeClr val="accent1"/>
+            </a:effectRef>
+            <a:fontRef idx="minor">
+              <a:schemeClr val="tx1"/>
+            </a:fontRef>
+          </p:style>
+        </p:cxnSp>
+        <p:sp>
+          <p:nvSpPr>
+            <p:cNvPr id="141" name="140 CuadroTexto"/>
+            <p:cNvSpPr txBox="1"/>
+            <p:nvPr/>
+          </p:nvSpPr>
+          <p:spPr>
+            <a:xfrm>
+              <a:off x="3764145" y="5756664"/>
+              <a:ext cx="504056" cy="369332"/>
+            </a:xfrm>
+            <a:prstGeom prst="rect">
+              <a:avLst/>
+            </a:prstGeom>
+            <a:noFill/>
+          </p:spPr>
+          <p:txBody>
+            <a:bodyPr wrap="square" rtlCol="0">
+              <a:spAutoFit/>
+            </a:bodyPr>
+            <a:lstStyle/>
+            <a:p>
+              <a:r>
+                <a:rPr lang="es-AR" dirty="0" smtClean="0"/>
+                <a:t>R1</a:t>
               </a:r>
               <a:endParaRPr lang="en-US" dirty="0"/>
             </a:p>

--- a/FigurasInforme/figuras.pptx
+++ b/FigurasInforme/figuras.pptx
@@ -6,6 +6,7 @@
   </p:sldMasterIdLst>
   <p:sldIdLst>
     <p:sldId id="256" r:id="rId2"/>
+    <p:sldId id="257" r:id="rId3"/>
   </p:sldIdLst>
   <p:sldSz cx="9144000" cy="6858000" type="screen4x3"/>
   <p:notesSz cx="6858000" cy="9144000"/>
@@ -3737,8 +3738,8 @@
           </a:p>
         </p:txBody>
       </p:sp>
-      <mc:AlternateContent xmlns:mc="http://schemas.openxmlformats.org/markup-compatibility/2006">
-        <mc:Choice xmlns:a14="http://schemas.microsoft.com/office/drawing/2010/main" Requires="a14">
+      <mc:AlternateContent xmlns:mc="http://schemas.openxmlformats.org/markup-compatibility/2006" xmlns:a14="http://schemas.microsoft.com/office/drawing/2010/main">
+        <mc:Choice Requires="a14">
           <p:sp>
             <p:nvSpPr>
               <p:cNvPr id="68" name="67 CuadroTexto"/>
@@ -3761,6 +3762,7 @@
               </a:bodyPr>
               <a:lstStyle/>
               <a:p>
+                <a:pPr/>
                 <a14:m>
                   <m:oMathPara xmlns:m="http://schemas.openxmlformats.org/officeDocument/2006/math">
                     <m:oMathParaPr>
@@ -3800,7 +3802,7 @@
             </p:txBody>
           </p:sp>
         </mc:Choice>
-        <mc:Fallback>
+        <mc:Fallback xmlns="">
           <p:sp>
             <p:nvSpPr>
               <p:cNvPr id="68" name="67 CuadroTexto"/>
@@ -4759,8 +4761,8 @@
             </a:p>
           </p:txBody>
         </p:sp>
-        <mc:AlternateContent xmlns:mc="http://schemas.openxmlformats.org/markup-compatibility/2006">
-          <mc:Choice xmlns:a14="http://schemas.microsoft.com/office/drawing/2010/main" Requires="a14">
+        <mc:AlternateContent xmlns:mc="http://schemas.openxmlformats.org/markup-compatibility/2006" xmlns:a14="http://schemas.microsoft.com/office/drawing/2010/main">
+          <mc:Choice Requires="a14">
             <p:sp>
               <p:nvSpPr>
                 <p:cNvPr id="72" name="71 CuadroTexto"/>
@@ -4783,6 +4785,7 @@
                 </a:bodyPr>
                 <a:lstStyle/>
                 <a:p>
+                  <a:pPr/>
                   <a14:m>
                     <m:oMathPara xmlns:m="http://schemas.openxmlformats.org/officeDocument/2006/math">
                       <m:oMathParaPr>
@@ -4822,7 +4825,7 @@
               </p:txBody>
             </p:sp>
           </mc:Choice>
-          <mc:Fallback>
+          <mc:Fallback xmlns="">
             <p:sp>
               <p:nvSpPr>
                 <p:cNvPr id="72" name="71 CuadroTexto"/>
@@ -4931,8 +4934,8 @@
             </a:fontRef>
           </p:style>
         </p:cxnSp>
-        <mc:AlternateContent xmlns:mc="http://schemas.openxmlformats.org/markup-compatibility/2006">
-          <mc:Choice xmlns:a14="http://schemas.microsoft.com/office/drawing/2010/main" Requires="a14">
+        <mc:AlternateContent xmlns:mc="http://schemas.openxmlformats.org/markup-compatibility/2006" xmlns:a14="http://schemas.microsoft.com/office/drawing/2010/main">
+          <mc:Choice Requires="a14">
             <p:sp>
               <p:nvSpPr>
                 <p:cNvPr id="76" name="75 CuadroTexto"/>
@@ -4955,6 +4958,7 @@
                 </a:bodyPr>
                 <a:lstStyle/>
                 <a:p>
+                  <a:pPr/>
                   <a14:m>
                     <m:oMathPara xmlns:m="http://schemas.openxmlformats.org/officeDocument/2006/math">
                       <m:oMathParaPr>
@@ -4981,7 +4985,7 @@
               </p:txBody>
             </p:sp>
           </mc:Choice>
-          <mc:Fallback>
+          <mc:Fallback xmlns="">
             <p:sp>
               <p:nvSpPr>
                 <p:cNvPr id="76" name="75 CuadroTexto"/>
@@ -5020,8 +5024,8 @@
             </p:sp>
           </mc:Fallback>
         </mc:AlternateContent>
-        <mc:AlternateContent xmlns:mc="http://schemas.openxmlformats.org/markup-compatibility/2006">
-          <mc:Choice xmlns:a14="http://schemas.microsoft.com/office/drawing/2010/main" Requires="a14">
+        <mc:AlternateContent xmlns:mc="http://schemas.openxmlformats.org/markup-compatibility/2006" xmlns:a14="http://schemas.microsoft.com/office/drawing/2010/main">
+          <mc:Choice Requires="a14">
             <p:sp>
               <p:nvSpPr>
                 <p:cNvPr id="77" name="76 CuadroTexto"/>
@@ -5044,6 +5048,7 @@
                 </a:bodyPr>
                 <a:lstStyle/>
                 <a:p>
+                  <a:pPr/>
                   <a14:m>
                     <m:oMathPara xmlns:m="http://schemas.openxmlformats.org/officeDocument/2006/math">
                       <m:oMathParaPr>
@@ -5076,7 +5081,7 @@
               </p:txBody>
             </p:sp>
           </mc:Choice>
-          <mc:Fallback>
+          <mc:Fallback xmlns="">
             <p:sp>
               <p:nvSpPr>
                 <p:cNvPr id="77" name="76 CuadroTexto"/>
@@ -5865,8 +5870,8 @@
             </a:p>
           </p:txBody>
         </p:sp>
-        <mc:AlternateContent xmlns:mc="http://schemas.openxmlformats.org/markup-compatibility/2006">
-          <mc:Choice xmlns:a14="http://schemas.microsoft.com/office/drawing/2010/main" Requires="a14">
+        <mc:AlternateContent xmlns:mc="http://schemas.openxmlformats.org/markup-compatibility/2006" xmlns:a14="http://schemas.microsoft.com/office/drawing/2010/main">
+          <mc:Choice Requires="a14">
             <p:sp>
               <p:nvSpPr>
                 <p:cNvPr id="111" name="110 CuadroTexto"/>
@@ -5889,6 +5894,7 @@
                 </a:bodyPr>
                 <a:lstStyle/>
                 <a:p>
+                  <a:pPr/>
                   <a14:m>
                     <m:oMathPara xmlns:m="http://schemas.openxmlformats.org/officeDocument/2006/math">
                       <m:oMathParaPr>
@@ -5928,7 +5934,7 @@
               </p:txBody>
             </p:sp>
           </mc:Choice>
-          <mc:Fallback>
+          <mc:Fallback xmlns="">
             <p:sp>
               <p:nvSpPr>
                 <p:cNvPr id="111" name="110 CuadroTexto"/>
@@ -5967,8 +5973,8 @@
             </p:sp>
           </mc:Fallback>
         </mc:AlternateContent>
-        <mc:AlternateContent xmlns:mc="http://schemas.openxmlformats.org/markup-compatibility/2006">
-          <mc:Choice xmlns:a14="http://schemas.microsoft.com/office/drawing/2010/main" Requires="a14">
+        <mc:AlternateContent xmlns:mc="http://schemas.openxmlformats.org/markup-compatibility/2006" xmlns:a14="http://schemas.microsoft.com/office/drawing/2010/main">
+          <mc:Choice Requires="a14">
             <p:sp>
               <p:nvSpPr>
                 <p:cNvPr id="112" name="111 CuadroTexto"/>
@@ -5991,6 +5997,7 @@
                 </a:bodyPr>
                 <a:lstStyle/>
                 <a:p>
+                  <a:pPr/>
                   <a14:m>
                     <m:oMathPara xmlns:m="http://schemas.openxmlformats.org/officeDocument/2006/math">
                       <m:oMathParaPr>
@@ -6030,7 +6037,7 @@
               </p:txBody>
             </p:sp>
           </mc:Choice>
-          <mc:Fallback>
+          <mc:Fallback xmlns="">
             <p:sp>
               <p:nvSpPr>
                 <p:cNvPr id="112" name="111 CuadroTexto"/>
@@ -6440,6 +6447,1307 @@
     <p:extLst>
       <p:ext uri="{BB962C8B-B14F-4D97-AF65-F5344CB8AC3E}">
         <p14:creationId xmlns:p14="http://schemas.microsoft.com/office/powerpoint/2010/main" val="1102420123"/>
+      </p:ext>
+    </p:extLst>
+  </p:cSld>
+  <p:clrMapOvr>
+    <a:masterClrMapping/>
+  </p:clrMapOvr>
+</p:sld>
+</file>
+
+<file path=ppt/slides/slide2.xml><?xml version="1.0" encoding="utf-8"?>
+<p:sld xmlns:a="http://schemas.openxmlformats.org/drawingml/2006/main" xmlns:r="http://schemas.openxmlformats.org/officeDocument/2006/relationships" xmlns:p="http://schemas.openxmlformats.org/presentationml/2006/main">
+  <p:cSld>
+    <p:spTree>
+      <p:nvGrpSpPr>
+        <p:cNvPr id="1" name=""/>
+        <p:cNvGrpSpPr/>
+        <p:nvPr/>
+      </p:nvGrpSpPr>
+      <p:grpSpPr>
+        <a:xfrm>
+          <a:off x="0" y="0"/>
+          <a:ext cx="0" cy="0"/>
+          <a:chOff x="0" y="0"/>
+          <a:chExt cx="0" cy="0"/>
+        </a:xfrm>
+      </p:grpSpPr>
+      <p:grpSp>
+        <p:nvGrpSpPr>
+          <p:cNvPr id="71" name="70 Grupo"/>
+          <p:cNvGrpSpPr/>
+          <p:nvPr/>
+        </p:nvGrpSpPr>
+        <p:grpSpPr>
+          <a:xfrm>
+            <a:off x="1115616" y="1312599"/>
+            <a:ext cx="4979982" cy="2836481"/>
+            <a:chOff x="1115616" y="1312599"/>
+            <a:chExt cx="4979982" cy="2836481"/>
+          </a:xfrm>
+        </p:grpSpPr>
+        <p:sp>
+          <p:nvSpPr>
+            <p:cNvPr id="18" name="17 Rectángulo"/>
+            <p:cNvSpPr/>
+            <p:nvPr/>
+          </p:nvSpPr>
+          <p:spPr>
+            <a:xfrm>
+              <a:off x="1763688" y="2680536"/>
+              <a:ext cx="1800200" cy="1468544"/>
+            </a:xfrm>
+            <a:prstGeom prst="rect">
+              <a:avLst/>
+            </a:prstGeom>
+            <a:solidFill>
+              <a:schemeClr val="tx2">
+                <a:lumMod val="60000"/>
+                <a:lumOff val="40000"/>
+                <a:alpha val="40000"/>
+              </a:schemeClr>
+            </a:solidFill>
+            <a:ln>
+              <a:solidFill>
+                <a:schemeClr val="tx1"/>
+              </a:solidFill>
+            </a:ln>
+          </p:spPr>
+          <p:style>
+            <a:lnRef idx="2">
+              <a:schemeClr val="accent1">
+                <a:shade val="50000"/>
+              </a:schemeClr>
+            </a:lnRef>
+            <a:fillRef idx="1">
+              <a:schemeClr val="accent1"/>
+            </a:fillRef>
+            <a:effectRef idx="0">
+              <a:schemeClr val="accent1"/>
+            </a:effectRef>
+            <a:fontRef idx="minor">
+              <a:schemeClr val="lt1"/>
+            </a:fontRef>
+          </p:style>
+          <p:txBody>
+            <a:bodyPr rtlCol="0" anchor="ctr"/>
+            <a:lstStyle/>
+            <a:p>
+              <a:pPr algn="ctr"/>
+              <a:endParaRPr lang="en-US"/>
+            </a:p>
+          </p:txBody>
+        </p:sp>
+        <p:sp>
+          <p:nvSpPr>
+            <p:cNvPr id="19" name="18 Rectángulo"/>
+            <p:cNvSpPr/>
+            <p:nvPr/>
+          </p:nvSpPr>
+          <p:spPr>
+            <a:xfrm>
+              <a:off x="2095756" y="1340768"/>
+              <a:ext cx="1612148" cy="792088"/>
+            </a:xfrm>
+            <a:prstGeom prst="rect">
+              <a:avLst/>
+            </a:prstGeom>
+            <a:solidFill>
+              <a:srgbClr val="00B050">
+                <a:alpha val="30000"/>
+              </a:srgbClr>
+            </a:solidFill>
+            <a:ln>
+              <a:solidFill>
+                <a:schemeClr val="tx1"/>
+              </a:solidFill>
+            </a:ln>
+          </p:spPr>
+          <p:style>
+            <a:lnRef idx="2">
+              <a:schemeClr val="accent1">
+                <a:shade val="50000"/>
+              </a:schemeClr>
+            </a:lnRef>
+            <a:fillRef idx="1">
+              <a:schemeClr val="accent1"/>
+            </a:fillRef>
+            <a:effectRef idx="0">
+              <a:schemeClr val="accent1"/>
+            </a:effectRef>
+            <a:fontRef idx="minor">
+              <a:schemeClr val="lt1"/>
+            </a:fontRef>
+          </p:style>
+          <p:txBody>
+            <a:bodyPr rtlCol="0" anchor="ctr"/>
+            <a:lstStyle/>
+            <a:p>
+              <a:pPr algn="ctr"/>
+              <a:endParaRPr lang="en-US"/>
+            </a:p>
+          </p:txBody>
+        </p:sp>
+        <p:sp>
+          <p:nvSpPr>
+            <p:cNvPr id="21" name="20 Rectángulo"/>
+            <p:cNvSpPr/>
+            <p:nvPr/>
+          </p:nvSpPr>
+          <p:spPr>
+            <a:xfrm>
+              <a:off x="4220344" y="2680536"/>
+              <a:ext cx="1503784" cy="1396536"/>
+            </a:xfrm>
+            <a:prstGeom prst="rect">
+              <a:avLst/>
+            </a:prstGeom>
+            <a:solidFill>
+              <a:srgbClr val="FFC000">
+                <a:alpha val="70000"/>
+              </a:srgbClr>
+            </a:solidFill>
+            <a:ln>
+              <a:solidFill>
+                <a:schemeClr val="tx1"/>
+              </a:solidFill>
+            </a:ln>
+          </p:spPr>
+          <p:style>
+            <a:lnRef idx="2">
+              <a:schemeClr val="accent1">
+                <a:shade val="50000"/>
+              </a:schemeClr>
+            </a:lnRef>
+            <a:fillRef idx="1">
+              <a:schemeClr val="accent1"/>
+            </a:fillRef>
+            <a:effectRef idx="0">
+              <a:schemeClr val="accent1"/>
+            </a:effectRef>
+            <a:fontRef idx="minor">
+              <a:schemeClr val="lt1"/>
+            </a:fontRef>
+          </p:style>
+          <p:txBody>
+            <a:bodyPr rtlCol="0" anchor="ctr"/>
+            <a:lstStyle/>
+            <a:p>
+              <a:pPr algn="ctr"/>
+              <a:endParaRPr lang="en-US"/>
+            </a:p>
+          </p:txBody>
+        </p:sp>
+        <p:sp>
+          <p:nvSpPr>
+            <p:cNvPr id="20" name="19 Rectángulo"/>
+            <p:cNvSpPr/>
+            <p:nvPr/>
+          </p:nvSpPr>
+          <p:spPr>
+            <a:xfrm>
+              <a:off x="4534272" y="2982760"/>
+              <a:ext cx="864096" cy="792088"/>
+            </a:xfrm>
+            <a:prstGeom prst="rect">
+              <a:avLst/>
+            </a:prstGeom>
+            <a:solidFill>
+              <a:schemeClr val="bg1"/>
+            </a:solidFill>
+            <a:ln>
+              <a:solidFill>
+                <a:schemeClr val="tx1"/>
+              </a:solidFill>
+            </a:ln>
+          </p:spPr>
+          <p:style>
+            <a:lnRef idx="2">
+              <a:schemeClr val="accent1">
+                <a:shade val="50000"/>
+              </a:schemeClr>
+            </a:lnRef>
+            <a:fillRef idx="1">
+              <a:schemeClr val="accent1"/>
+            </a:fillRef>
+            <a:effectRef idx="0">
+              <a:schemeClr val="accent1"/>
+            </a:effectRef>
+            <a:fontRef idx="minor">
+              <a:schemeClr val="lt1"/>
+            </a:fontRef>
+          </p:style>
+          <p:txBody>
+            <a:bodyPr rtlCol="0" anchor="ctr"/>
+            <a:lstStyle/>
+            <a:p>
+              <a:pPr algn="ctr"/>
+              <a:endParaRPr lang="en-US"/>
+            </a:p>
+          </p:txBody>
+        </p:sp>
+        <p:cxnSp>
+          <p:nvCxnSpPr>
+            <p:cNvPr id="24" name="23 Conector recto"/>
+            <p:cNvCxnSpPr/>
+            <p:nvPr/>
+          </p:nvCxnSpPr>
+          <p:spPr>
+            <a:xfrm>
+              <a:off x="3419872" y="3284984"/>
+              <a:ext cx="1114400" cy="0"/>
+            </a:xfrm>
+            <a:prstGeom prst="line">
+              <a:avLst/>
+            </a:prstGeom>
+            <a:ln w="25400">
+              <a:solidFill>
+                <a:schemeClr val="tx1"/>
+              </a:solidFill>
+            </a:ln>
+          </p:spPr>
+          <p:style>
+            <a:lnRef idx="1">
+              <a:schemeClr val="accent1"/>
+            </a:lnRef>
+            <a:fillRef idx="0">
+              <a:schemeClr val="accent1"/>
+            </a:fillRef>
+            <a:effectRef idx="0">
+              <a:schemeClr val="accent1"/>
+            </a:effectRef>
+            <a:fontRef idx="minor">
+              <a:schemeClr val="tx1"/>
+            </a:fontRef>
+          </p:style>
+        </p:cxnSp>
+        <p:cxnSp>
+          <p:nvCxnSpPr>
+            <p:cNvPr id="25" name="24 Conector recto"/>
+            <p:cNvCxnSpPr/>
+            <p:nvPr/>
+          </p:nvCxnSpPr>
+          <p:spPr>
+            <a:xfrm>
+              <a:off x="3419872" y="3454416"/>
+              <a:ext cx="1114400" cy="0"/>
+            </a:xfrm>
+            <a:prstGeom prst="line">
+              <a:avLst/>
+            </a:prstGeom>
+            <a:ln w="25400">
+              <a:solidFill>
+                <a:srgbClr val="FF0000"/>
+              </a:solidFill>
+            </a:ln>
+          </p:spPr>
+          <p:style>
+            <a:lnRef idx="1">
+              <a:schemeClr val="accent1"/>
+            </a:lnRef>
+            <a:fillRef idx="0">
+              <a:schemeClr val="accent1"/>
+            </a:fillRef>
+            <a:effectRef idx="0">
+              <a:schemeClr val="accent1"/>
+            </a:effectRef>
+            <a:fontRef idx="minor">
+              <a:schemeClr val="tx1"/>
+            </a:fontRef>
+          </p:style>
+        </p:cxnSp>
+        <p:cxnSp>
+          <p:nvCxnSpPr>
+            <p:cNvPr id="35" name="34 Conector recto"/>
+            <p:cNvCxnSpPr/>
+            <p:nvPr/>
+          </p:nvCxnSpPr>
+          <p:spPr>
+            <a:xfrm>
+              <a:off x="3442732" y="3891420"/>
+              <a:ext cx="1498632" cy="0"/>
+            </a:xfrm>
+            <a:prstGeom prst="line">
+              <a:avLst/>
+            </a:prstGeom>
+            <a:ln w="25400">
+              <a:solidFill>
+                <a:srgbClr val="0070C0"/>
+              </a:solidFill>
+            </a:ln>
+          </p:spPr>
+          <p:style>
+            <a:lnRef idx="1">
+              <a:schemeClr val="accent1"/>
+            </a:lnRef>
+            <a:fillRef idx="0">
+              <a:schemeClr val="accent1"/>
+            </a:fillRef>
+            <a:effectRef idx="0">
+              <a:schemeClr val="accent1"/>
+            </a:effectRef>
+            <a:fontRef idx="minor">
+              <a:schemeClr val="tx1"/>
+            </a:fontRef>
+          </p:style>
+        </p:cxnSp>
+        <p:cxnSp>
+          <p:nvCxnSpPr>
+            <p:cNvPr id="37" name="36 Conector recto"/>
+            <p:cNvCxnSpPr/>
+            <p:nvPr/>
+          </p:nvCxnSpPr>
+          <p:spPr>
+            <a:xfrm>
+              <a:off x="3442732" y="3995044"/>
+              <a:ext cx="1570836" cy="0"/>
+            </a:xfrm>
+            <a:prstGeom prst="line">
+              <a:avLst/>
+            </a:prstGeom>
+            <a:ln w="25400">
+              <a:solidFill>
+                <a:srgbClr val="00B050"/>
+              </a:solidFill>
+            </a:ln>
+          </p:spPr>
+          <p:style>
+            <a:lnRef idx="1">
+              <a:schemeClr val="accent1"/>
+            </a:lnRef>
+            <a:fillRef idx="0">
+              <a:schemeClr val="accent1"/>
+            </a:fillRef>
+            <a:effectRef idx="0">
+              <a:schemeClr val="accent1"/>
+            </a:effectRef>
+            <a:fontRef idx="minor">
+              <a:schemeClr val="tx1"/>
+            </a:fontRef>
+          </p:style>
+        </p:cxnSp>
+        <p:cxnSp>
+          <p:nvCxnSpPr>
+            <p:cNvPr id="42" name="41 Conector recto"/>
+            <p:cNvCxnSpPr/>
+            <p:nvPr/>
+          </p:nvCxnSpPr>
+          <p:spPr>
+            <a:xfrm>
+              <a:off x="2842418" y="2060848"/>
+              <a:ext cx="0" cy="720080"/>
+            </a:xfrm>
+            <a:prstGeom prst="line">
+              <a:avLst/>
+            </a:prstGeom>
+            <a:ln w="22225">
+              <a:solidFill>
+                <a:schemeClr val="tx1">
+                  <a:lumMod val="75000"/>
+                  <a:lumOff val="25000"/>
+                </a:schemeClr>
+              </a:solidFill>
+            </a:ln>
+          </p:spPr>
+          <p:style>
+            <a:lnRef idx="1">
+              <a:schemeClr val="accent1"/>
+            </a:lnRef>
+            <a:fillRef idx="0">
+              <a:schemeClr val="accent1"/>
+            </a:fillRef>
+            <a:effectRef idx="0">
+              <a:schemeClr val="accent1"/>
+            </a:effectRef>
+            <a:fontRef idx="minor">
+              <a:schemeClr val="tx1"/>
+            </a:fontRef>
+          </p:style>
+        </p:cxnSp>
+        <p:cxnSp>
+          <p:nvCxnSpPr>
+            <p:cNvPr id="43" name="42 Conector recto"/>
+            <p:cNvCxnSpPr/>
+            <p:nvPr/>
+          </p:nvCxnSpPr>
+          <p:spPr>
+            <a:xfrm>
+              <a:off x="2411760" y="2060848"/>
+              <a:ext cx="0" cy="720080"/>
+            </a:xfrm>
+            <a:prstGeom prst="line">
+              <a:avLst/>
+            </a:prstGeom>
+            <a:ln w="22225">
+              <a:solidFill>
+                <a:schemeClr val="tx1">
+                  <a:lumMod val="75000"/>
+                  <a:lumOff val="25000"/>
+                </a:schemeClr>
+              </a:solidFill>
+            </a:ln>
+          </p:spPr>
+          <p:style>
+            <a:lnRef idx="1">
+              <a:schemeClr val="accent1"/>
+            </a:lnRef>
+            <a:fillRef idx="0">
+              <a:schemeClr val="accent1"/>
+            </a:fillRef>
+            <a:effectRef idx="0">
+              <a:schemeClr val="accent1"/>
+            </a:effectRef>
+            <a:fontRef idx="minor">
+              <a:schemeClr val="tx1"/>
+            </a:fontRef>
+          </p:style>
+        </p:cxnSp>
+        <p:cxnSp>
+          <p:nvCxnSpPr>
+            <p:cNvPr id="44" name="43 Conector recto"/>
+            <p:cNvCxnSpPr/>
+            <p:nvPr/>
+          </p:nvCxnSpPr>
+          <p:spPr>
+            <a:xfrm>
+              <a:off x="3409608" y="2060848"/>
+              <a:ext cx="0" cy="720080"/>
+            </a:xfrm>
+            <a:prstGeom prst="line">
+              <a:avLst/>
+            </a:prstGeom>
+            <a:ln w="22225">
+              <a:solidFill>
+                <a:schemeClr val="tx1">
+                  <a:lumMod val="75000"/>
+                  <a:lumOff val="25000"/>
+                </a:schemeClr>
+              </a:solidFill>
+            </a:ln>
+          </p:spPr>
+          <p:style>
+            <a:lnRef idx="1">
+              <a:schemeClr val="accent1"/>
+            </a:lnRef>
+            <a:fillRef idx="0">
+              <a:schemeClr val="accent1"/>
+            </a:fillRef>
+            <a:effectRef idx="0">
+              <a:schemeClr val="accent1"/>
+            </a:effectRef>
+            <a:fontRef idx="minor">
+              <a:schemeClr val="tx1"/>
+            </a:fontRef>
+          </p:style>
+        </p:cxnSp>
+        <p:sp>
+          <p:nvSpPr>
+            <p:cNvPr id="45" name="44 CuadroTexto"/>
+            <p:cNvSpPr txBox="1"/>
+            <p:nvPr/>
+          </p:nvSpPr>
+          <p:spPr>
+            <a:xfrm>
+              <a:off x="2899088" y="3070574"/>
+              <a:ext cx="720080" cy="338554"/>
+            </a:xfrm>
+            <a:prstGeom prst="rect">
+              <a:avLst/>
+            </a:prstGeom>
+            <a:noFill/>
+          </p:spPr>
+          <p:txBody>
+            <a:bodyPr wrap="square" rtlCol="0">
+              <a:spAutoFit/>
+            </a:bodyPr>
+            <a:lstStyle/>
+            <a:p>
+              <a:r>
+                <a:rPr lang="es-AR" sz="1600" dirty="0" err="1" smtClean="0"/>
+                <a:t>Tec</a:t>
+              </a:r>
+              <a:r>
+                <a:rPr lang="es-AR" sz="1600" dirty="0" smtClean="0"/>
+                <a:t> -</a:t>
+              </a:r>
+              <a:endParaRPr lang="en-US" sz="1600" dirty="0"/>
+            </a:p>
+          </p:txBody>
+        </p:sp>
+        <p:sp>
+          <p:nvSpPr>
+            <p:cNvPr id="46" name="45 CuadroTexto"/>
+            <p:cNvSpPr txBox="1"/>
+            <p:nvPr/>
+          </p:nvSpPr>
+          <p:spPr>
+            <a:xfrm>
+              <a:off x="2897148" y="3270629"/>
+              <a:ext cx="720080" cy="338554"/>
+            </a:xfrm>
+            <a:prstGeom prst="rect">
+              <a:avLst/>
+            </a:prstGeom>
+            <a:noFill/>
+          </p:spPr>
+          <p:txBody>
+            <a:bodyPr wrap="square" rtlCol="0">
+              <a:spAutoFit/>
+            </a:bodyPr>
+            <a:lstStyle/>
+            <a:p>
+              <a:r>
+                <a:rPr lang="es-AR" sz="1600" dirty="0" err="1" smtClean="0"/>
+                <a:t>Tec</a:t>
+              </a:r>
+              <a:r>
+                <a:rPr lang="es-AR" sz="1600" dirty="0" smtClean="0"/>
+                <a:t> +</a:t>
+              </a:r>
+              <a:endParaRPr lang="en-US" sz="1600" dirty="0"/>
+            </a:p>
+          </p:txBody>
+        </p:sp>
+        <p:sp>
+          <p:nvSpPr>
+            <p:cNvPr id="47" name="46 CuadroTexto"/>
+            <p:cNvSpPr txBox="1"/>
+            <p:nvPr/>
+          </p:nvSpPr>
+          <p:spPr>
+            <a:xfrm>
+              <a:off x="2114884" y="3738518"/>
+              <a:ext cx="1313832" cy="338554"/>
+            </a:xfrm>
+            <a:prstGeom prst="rect">
+              <a:avLst/>
+            </a:prstGeom>
+            <a:noFill/>
+          </p:spPr>
+          <p:txBody>
+            <a:bodyPr wrap="square" rtlCol="0">
+              <a:spAutoFit/>
+            </a:bodyPr>
+            <a:lstStyle/>
+            <a:p>
+              <a:r>
+                <a:rPr lang="es-AR" sz="1600" dirty="0" smtClean="0"/>
+                <a:t>Termistor 10k</a:t>
+              </a:r>
+              <a:endParaRPr lang="en-US" sz="1600" dirty="0"/>
+            </a:p>
+          </p:txBody>
+        </p:sp>
+        <p:sp>
+          <p:nvSpPr>
+            <p:cNvPr id="48" name="47 CuadroTexto"/>
+            <p:cNvSpPr txBox="1"/>
+            <p:nvPr/>
+          </p:nvSpPr>
+          <p:spPr>
+            <a:xfrm>
+              <a:off x="3082692" y="1784301"/>
+              <a:ext cx="720080" cy="338554"/>
+            </a:xfrm>
+            <a:prstGeom prst="rect">
+              <a:avLst/>
+            </a:prstGeom>
+            <a:noFill/>
+          </p:spPr>
+          <p:txBody>
+            <a:bodyPr wrap="square" rtlCol="0">
+              <a:spAutoFit/>
+            </a:bodyPr>
+            <a:lstStyle/>
+            <a:p>
+              <a:r>
+                <a:rPr lang="es-AR" sz="1600" dirty="0" smtClean="0"/>
+                <a:t>Dac0</a:t>
+              </a:r>
+              <a:endParaRPr lang="en-US" sz="1600" dirty="0"/>
+            </a:p>
+          </p:txBody>
+        </p:sp>
+        <p:sp>
+          <p:nvSpPr>
+            <p:cNvPr id="49" name="48 CuadroTexto"/>
+            <p:cNvSpPr txBox="1"/>
+            <p:nvPr/>
+          </p:nvSpPr>
+          <p:spPr>
+            <a:xfrm>
+              <a:off x="2203748" y="1786682"/>
+              <a:ext cx="720080" cy="338554"/>
+            </a:xfrm>
+            <a:prstGeom prst="rect">
+              <a:avLst/>
+            </a:prstGeom>
+            <a:noFill/>
+          </p:spPr>
+          <p:txBody>
+            <a:bodyPr wrap="square" rtlCol="0">
+              <a:spAutoFit/>
+            </a:bodyPr>
+            <a:lstStyle/>
+            <a:p>
+              <a:r>
+                <a:rPr lang="es-AR" sz="1600" dirty="0" smtClean="0"/>
+                <a:t>A1</a:t>
+              </a:r>
+              <a:endParaRPr lang="en-US" sz="1600" dirty="0"/>
+            </a:p>
+          </p:txBody>
+        </p:sp>
+        <p:sp>
+          <p:nvSpPr>
+            <p:cNvPr id="50" name="49 CuadroTexto"/>
+            <p:cNvSpPr txBox="1"/>
+            <p:nvPr/>
+          </p:nvSpPr>
+          <p:spPr>
+            <a:xfrm>
+              <a:off x="2627784" y="1786682"/>
+              <a:ext cx="720080" cy="338554"/>
+            </a:xfrm>
+            <a:prstGeom prst="rect">
+              <a:avLst/>
+            </a:prstGeom>
+            <a:noFill/>
+          </p:spPr>
+          <p:txBody>
+            <a:bodyPr wrap="square" rtlCol="0">
+              <a:spAutoFit/>
+            </a:bodyPr>
+            <a:lstStyle/>
+            <a:p>
+              <a:r>
+                <a:rPr lang="es-AR" sz="1600" dirty="0" smtClean="0"/>
+                <a:t>A2</a:t>
+              </a:r>
+              <a:endParaRPr lang="en-US" sz="1600" dirty="0"/>
+            </a:p>
+          </p:txBody>
+        </p:sp>
+        <p:sp>
+          <p:nvSpPr>
+            <p:cNvPr id="51" name="50 CuadroTexto"/>
+            <p:cNvSpPr txBox="1"/>
+            <p:nvPr/>
+          </p:nvSpPr>
+          <p:spPr>
+            <a:xfrm>
+              <a:off x="2123728" y="2720406"/>
+              <a:ext cx="720080" cy="338554"/>
+            </a:xfrm>
+            <a:prstGeom prst="rect">
+              <a:avLst/>
+            </a:prstGeom>
+            <a:noFill/>
+          </p:spPr>
+          <p:txBody>
+            <a:bodyPr wrap="square" rtlCol="0">
+              <a:spAutoFit/>
+            </a:bodyPr>
+            <a:lstStyle/>
+            <a:p>
+              <a:r>
+                <a:rPr lang="es-AR" sz="1600" dirty="0" err="1" smtClean="0"/>
+                <a:t>Tact</a:t>
+              </a:r>
+              <a:endParaRPr lang="en-US" sz="1600" dirty="0"/>
+            </a:p>
+          </p:txBody>
+        </p:sp>
+        <p:sp>
+          <p:nvSpPr>
+            <p:cNvPr id="52" name="51 CuadroTexto"/>
+            <p:cNvSpPr txBox="1"/>
+            <p:nvPr/>
+          </p:nvSpPr>
+          <p:spPr>
+            <a:xfrm>
+              <a:off x="2563788" y="2717696"/>
+              <a:ext cx="720080" cy="338554"/>
+            </a:xfrm>
+            <a:prstGeom prst="rect">
+              <a:avLst/>
+            </a:prstGeom>
+            <a:noFill/>
+          </p:spPr>
+          <p:txBody>
+            <a:bodyPr wrap="square" rtlCol="0">
+              <a:spAutoFit/>
+            </a:bodyPr>
+            <a:lstStyle/>
+            <a:p>
+              <a:r>
+                <a:rPr lang="es-AR" sz="1600" dirty="0" err="1" smtClean="0"/>
+                <a:t>Tset</a:t>
+              </a:r>
+              <a:endParaRPr lang="en-US" sz="1600" dirty="0"/>
+            </a:p>
+          </p:txBody>
+        </p:sp>
+        <p:sp>
+          <p:nvSpPr>
+            <p:cNvPr id="53" name="52 CuadroTexto"/>
+            <p:cNvSpPr txBox="1"/>
+            <p:nvPr/>
+          </p:nvSpPr>
+          <p:spPr>
+            <a:xfrm>
+              <a:off x="3082692" y="2717410"/>
+              <a:ext cx="720080" cy="338554"/>
+            </a:xfrm>
+            <a:prstGeom prst="rect">
+              <a:avLst/>
+            </a:prstGeom>
+            <a:noFill/>
+          </p:spPr>
+          <p:txBody>
+            <a:bodyPr wrap="square" rtlCol="0">
+              <a:spAutoFit/>
+            </a:bodyPr>
+            <a:lstStyle/>
+            <a:p>
+              <a:r>
+                <a:rPr lang="es-AR" sz="1600" dirty="0" err="1" smtClean="0"/>
+                <a:t>Vset</a:t>
+              </a:r>
+              <a:endParaRPr lang="en-US" sz="1600" dirty="0"/>
+            </a:p>
+          </p:txBody>
+        </p:sp>
+        <p:sp>
+          <p:nvSpPr>
+            <p:cNvPr id="22" name="21 Rectángulo"/>
+            <p:cNvSpPr/>
+            <p:nvPr/>
+          </p:nvSpPr>
+          <p:spPr>
+            <a:xfrm>
+              <a:off x="4616388" y="3058960"/>
+              <a:ext cx="711696" cy="639688"/>
+            </a:xfrm>
+            <a:prstGeom prst="rect">
+              <a:avLst/>
+            </a:prstGeom>
+            <a:solidFill>
+              <a:schemeClr val="bg1">
+                <a:lumMod val="65000"/>
+                <a:alpha val="70000"/>
+              </a:schemeClr>
+            </a:solidFill>
+            <a:ln>
+              <a:solidFill>
+                <a:schemeClr val="tx1"/>
+              </a:solidFill>
+            </a:ln>
+          </p:spPr>
+          <p:style>
+            <a:lnRef idx="2">
+              <a:schemeClr val="accent1">
+                <a:shade val="50000"/>
+              </a:schemeClr>
+            </a:lnRef>
+            <a:fillRef idx="1">
+              <a:schemeClr val="accent1"/>
+            </a:fillRef>
+            <a:effectRef idx="0">
+              <a:schemeClr val="accent1"/>
+            </a:effectRef>
+            <a:fontRef idx="minor">
+              <a:schemeClr val="lt1"/>
+            </a:fontRef>
+          </p:style>
+          <p:txBody>
+            <a:bodyPr rtlCol="0" anchor="ctr"/>
+            <a:lstStyle/>
+            <a:p>
+              <a:pPr algn="ctr"/>
+              <a:endParaRPr lang="en-US"/>
+            </a:p>
+          </p:txBody>
+        </p:sp>
+        <p:cxnSp>
+          <p:nvCxnSpPr>
+            <p:cNvPr id="31" name="30 Conector recto"/>
+            <p:cNvCxnSpPr/>
+            <p:nvPr/>
+          </p:nvCxnSpPr>
+          <p:spPr>
+            <a:xfrm flipV="1">
+              <a:off x="4948984" y="3504535"/>
+              <a:ext cx="0" cy="392771"/>
+            </a:xfrm>
+            <a:prstGeom prst="line">
+              <a:avLst/>
+            </a:prstGeom>
+            <a:ln w="25400">
+              <a:solidFill>
+                <a:srgbClr val="0070C0"/>
+              </a:solidFill>
+            </a:ln>
+          </p:spPr>
+          <p:style>
+            <a:lnRef idx="1">
+              <a:schemeClr val="accent1"/>
+            </a:lnRef>
+            <a:fillRef idx="0">
+              <a:schemeClr val="accent1"/>
+            </a:fillRef>
+            <a:effectRef idx="0">
+              <a:schemeClr val="accent1"/>
+            </a:effectRef>
+            <a:fontRef idx="minor">
+              <a:schemeClr val="tx1"/>
+            </a:fontRef>
+          </p:style>
+        </p:cxnSp>
+        <p:cxnSp>
+          <p:nvCxnSpPr>
+            <p:cNvPr id="33" name="32 Conector recto"/>
+            <p:cNvCxnSpPr/>
+            <p:nvPr/>
+          </p:nvCxnSpPr>
+          <p:spPr>
+            <a:xfrm flipV="1">
+              <a:off x="5005948" y="3482340"/>
+              <a:ext cx="0" cy="500589"/>
+            </a:xfrm>
+            <a:prstGeom prst="line">
+              <a:avLst/>
+            </a:prstGeom>
+            <a:ln w="25400">
+              <a:solidFill>
+                <a:srgbClr val="00B050"/>
+              </a:solidFill>
+            </a:ln>
+          </p:spPr>
+          <p:style>
+            <a:lnRef idx="1">
+              <a:schemeClr val="accent1"/>
+            </a:lnRef>
+            <a:fillRef idx="0">
+              <a:schemeClr val="accent1"/>
+            </a:fillRef>
+            <a:effectRef idx="0">
+              <a:schemeClr val="accent1"/>
+            </a:effectRef>
+            <a:fontRef idx="minor">
+              <a:schemeClr val="tx1"/>
+            </a:fontRef>
+          </p:style>
+        </p:cxnSp>
+        <p:sp>
+          <p:nvSpPr>
+            <p:cNvPr id="28" name="27 Elipse"/>
+            <p:cNvSpPr/>
+            <p:nvPr/>
+          </p:nvSpPr>
+          <p:spPr>
+            <a:xfrm>
+              <a:off x="4911452" y="3378804"/>
+              <a:ext cx="109736" cy="122204"/>
+            </a:xfrm>
+            <a:prstGeom prst="ellipse">
+              <a:avLst/>
+            </a:prstGeom>
+            <a:solidFill>
+              <a:srgbClr val="0070C0"/>
+            </a:solidFill>
+            <a:ln>
+              <a:solidFill>
+                <a:schemeClr val="tx1"/>
+              </a:solidFill>
+            </a:ln>
+          </p:spPr>
+          <p:style>
+            <a:lnRef idx="2">
+              <a:schemeClr val="accent1">
+                <a:shade val="50000"/>
+              </a:schemeClr>
+            </a:lnRef>
+            <a:fillRef idx="1">
+              <a:schemeClr val="accent1"/>
+            </a:fillRef>
+            <a:effectRef idx="0">
+              <a:schemeClr val="accent1"/>
+            </a:effectRef>
+            <a:fontRef idx="minor">
+              <a:schemeClr val="lt1"/>
+            </a:fontRef>
+          </p:style>
+          <p:txBody>
+            <a:bodyPr rtlCol="0" anchor="ctr"/>
+            <a:lstStyle/>
+            <a:p>
+              <a:pPr algn="ctr"/>
+              <a:endParaRPr lang="en-US"/>
+            </a:p>
+          </p:txBody>
+        </p:sp>
+        <p:sp>
+          <p:nvSpPr>
+            <p:cNvPr id="54" name="53 CuadroTexto"/>
+            <p:cNvSpPr txBox="1"/>
+            <p:nvPr/>
+          </p:nvSpPr>
+          <p:spPr>
+            <a:xfrm>
+              <a:off x="2062308" y="1312599"/>
+              <a:ext cx="1535028" cy="323165"/>
+            </a:xfrm>
+            <a:prstGeom prst="rect">
+              <a:avLst/>
+            </a:prstGeom>
+            <a:noFill/>
+          </p:spPr>
+          <p:txBody>
+            <a:bodyPr wrap="square" rtlCol="0">
+              <a:spAutoFit/>
+            </a:bodyPr>
+            <a:lstStyle/>
+            <a:p>
+              <a:r>
+                <a:rPr lang="es-AR" sz="1500" dirty="0" err="1" smtClean="0"/>
+                <a:t>Arduino</a:t>
+              </a:r>
+              <a:r>
+                <a:rPr lang="es-AR" sz="1500" dirty="0" smtClean="0"/>
+                <a:t> </a:t>
+              </a:r>
+              <a:r>
+                <a:rPr lang="es-AR" sz="1500" dirty="0" err="1" smtClean="0"/>
+                <a:t>Due</a:t>
+              </a:r>
+              <a:endParaRPr lang="en-US" sz="1500" dirty="0"/>
+            </a:p>
+          </p:txBody>
+        </p:sp>
+        <p:sp>
+          <p:nvSpPr>
+            <p:cNvPr id="55" name="54 CuadroTexto"/>
+            <p:cNvSpPr txBox="1"/>
+            <p:nvPr/>
+          </p:nvSpPr>
+          <p:spPr>
+            <a:xfrm>
+              <a:off x="1115616" y="3249851"/>
+              <a:ext cx="1535028" cy="323165"/>
+            </a:xfrm>
+            <a:prstGeom prst="rect">
+              <a:avLst/>
+            </a:prstGeom>
+            <a:noFill/>
+            <a:scene3d>
+              <a:camera prst="orthographicFront">
+                <a:rot lat="0" lon="0" rev="5400000"/>
+              </a:camera>
+              <a:lightRig rig="threePt" dir="t"/>
+            </a:scene3d>
+          </p:spPr>
+          <p:txBody>
+            <a:bodyPr wrap="square" rtlCol="0">
+              <a:spAutoFit/>
+            </a:bodyPr>
+            <a:lstStyle/>
+            <a:p>
+              <a:r>
+                <a:rPr lang="es-AR" sz="1500" dirty="0" err="1" smtClean="0"/>
+                <a:t>Wavelength</a:t>
+              </a:r>
+              <a:r>
+                <a:rPr lang="es-AR" sz="1500" dirty="0" smtClean="0"/>
+                <a:t> 3293</a:t>
+              </a:r>
+              <a:endParaRPr lang="en-US" sz="1500" dirty="0"/>
+            </a:p>
+          </p:txBody>
+        </p:sp>
+        <p:sp>
+          <p:nvSpPr>
+            <p:cNvPr id="56" name="55 CuadroTexto"/>
+            <p:cNvSpPr txBox="1"/>
+            <p:nvPr/>
+          </p:nvSpPr>
+          <p:spPr>
+            <a:xfrm>
+              <a:off x="4139952" y="2636912"/>
+              <a:ext cx="1535028" cy="323165"/>
+            </a:xfrm>
+            <a:prstGeom prst="rect">
+              <a:avLst/>
+            </a:prstGeom>
+            <a:noFill/>
+          </p:spPr>
+          <p:txBody>
+            <a:bodyPr wrap="square" rtlCol="0">
+              <a:spAutoFit/>
+            </a:bodyPr>
+            <a:lstStyle/>
+            <a:p>
+              <a:r>
+                <a:rPr lang="es-AR" sz="1500" dirty="0" smtClean="0"/>
+                <a:t>Disipador</a:t>
+              </a:r>
+              <a:endParaRPr lang="en-US" sz="1500" dirty="0"/>
+            </a:p>
+          </p:txBody>
+        </p:sp>
+        <p:sp>
+          <p:nvSpPr>
+            <p:cNvPr id="57" name="56 CuadroTexto"/>
+            <p:cNvSpPr txBox="1"/>
+            <p:nvPr/>
+          </p:nvSpPr>
+          <p:spPr>
+            <a:xfrm>
+              <a:off x="4560570" y="2993739"/>
+              <a:ext cx="1535028" cy="323165"/>
+            </a:xfrm>
+            <a:prstGeom prst="rect">
+              <a:avLst/>
+            </a:prstGeom>
+            <a:noFill/>
+          </p:spPr>
+          <p:txBody>
+            <a:bodyPr wrap="square" rtlCol="0">
+              <a:spAutoFit/>
+            </a:bodyPr>
+            <a:lstStyle/>
+            <a:p>
+              <a:r>
+                <a:rPr lang="es-AR" sz="1500" dirty="0" smtClean="0"/>
+                <a:t>Platina</a:t>
+              </a:r>
+              <a:endParaRPr lang="en-US" sz="1500" dirty="0"/>
+            </a:p>
+          </p:txBody>
+        </p:sp>
+        <p:cxnSp>
+          <p:nvCxnSpPr>
+            <p:cNvPr id="59" name="58 Conector recto de flecha"/>
+            <p:cNvCxnSpPr/>
+            <p:nvPr/>
+          </p:nvCxnSpPr>
+          <p:spPr>
+            <a:xfrm flipH="1" flipV="1">
+              <a:off x="5148064" y="2416785"/>
+              <a:ext cx="180020" cy="607435"/>
+            </a:xfrm>
+            <a:prstGeom prst="straightConnector1">
+              <a:avLst/>
+            </a:prstGeom>
+            <a:ln w="15875">
+              <a:solidFill>
+                <a:schemeClr val="tx1">
+                  <a:lumMod val="75000"/>
+                  <a:lumOff val="25000"/>
+                </a:schemeClr>
+              </a:solidFill>
+              <a:tailEnd type="arrow"/>
+            </a:ln>
+          </p:spPr>
+          <p:style>
+            <a:lnRef idx="1">
+              <a:schemeClr val="accent1"/>
+            </a:lnRef>
+            <a:fillRef idx="0">
+              <a:schemeClr val="accent1"/>
+            </a:fillRef>
+            <a:effectRef idx="0">
+              <a:schemeClr val="accent1"/>
+            </a:effectRef>
+            <a:fontRef idx="minor">
+              <a:schemeClr val="tx1"/>
+            </a:fontRef>
+          </p:style>
+        </p:cxnSp>
+        <p:sp>
+          <p:nvSpPr>
+            <p:cNvPr id="61" name="60 CuadroTexto"/>
+            <p:cNvSpPr txBox="1"/>
+            <p:nvPr/>
+          </p:nvSpPr>
+          <p:spPr>
+            <a:xfrm>
+              <a:off x="4097175" y="2118683"/>
+              <a:ext cx="1703618" cy="323165"/>
+            </a:xfrm>
+            <a:prstGeom prst="rect">
+              <a:avLst/>
+            </a:prstGeom>
+            <a:noFill/>
+          </p:spPr>
+          <p:txBody>
+            <a:bodyPr wrap="square" rtlCol="0">
+              <a:spAutoFit/>
+            </a:bodyPr>
+            <a:lstStyle/>
+            <a:p>
+              <a:r>
+                <a:rPr lang="es-AR" sz="1500" dirty="0" err="1" smtClean="0"/>
+                <a:t>Peltier</a:t>
+              </a:r>
+              <a:r>
+                <a:rPr lang="es-AR" sz="1500" dirty="0" smtClean="0"/>
+                <a:t> 40 x 40 mm</a:t>
+              </a:r>
+              <a:endParaRPr lang="en-US" sz="1500" dirty="0"/>
+            </a:p>
+          </p:txBody>
+        </p:sp>
+        <p:sp>
+          <p:nvSpPr>
+            <p:cNvPr id="63" name="62 Rectángulo"/>
+            <p:cNvSpPr/>
+            <p:nvPr/>
+          </p:nvSpPr>
+          <p:spPr>
+            <a:xfrm>
+              <a:off x="1319476" y="1340768"/>
+              <a:ext cx="612842" cy="792088"/>
+            </a:xfrm>
+            <a:prstGeom prst="rect">
+              <a:avLst/>
+            </a:prstGeom>
+            <a:noFill/>
+            <a:ln>
+              <a:solidFill>
+                <a:schemeClr val="tx1"/>
+              </a:solidFill>
+            </a:ln>
+          </p:spPr>
+          <p:style>
+            <a:lnRef idx="2">
+              <a:schemeClr val="accent1">
+                <a:shade val="50000"/>
+              </a:schemeClr>
+            </a:lnRef>
+            <a:fillRef idx="1">
+              <a:schemeClr val="accent1"/>
+            </a:fillRef>
+            <a:effectRef idx="0">
+              <a:schemeClr val="accent1"/>
+            </a:effectRef>
+            <a:fontRef idx="minor">
+              <a:schemeClr val="lt1"/>
+            </a:fontRef>
+          </p:style>
+          <p:txBody>
+            <a:bodyPr rtlCol="0" anchor="ctr"/>
+            <a:lstStyle/>
+            <a:p>
+              <a:pPr algn="ctr"/>
+              <a:endParaRPr lang="en-US"/>
+            </a:p>
+          </p:txBody>
+        </p:sp>
+        <p:sp>
+          <p:nvSpPr>
+            <p:cNvPr id="64" name="63 CuadroTexto"/>
+            <p:cNvSpPr txBox="1"/>
+            <p:nvPr/>
+          </p:nvSpPr>
+          <p:spPr>
+            <a:xfrm>
+              <a:off x="1274625" y="1868577"/>
+              <a:ext cx="1535028" cy="323165"/>
+            </a:xfrm>
+            <a:prstGeom prst="rect">
+              <a:avLst/>
+            </a:prstGeom>
+            <a:noFill/>
+          </p:spPr>
+          <p:txBody>
+            <a:bodyPr wrap="square" rtlCol="0">
+              <a:spAutoFit/>
+            </a:bodyPr>
+            <a:lstStyle/>
+            <a:p>
+              <a:r>
+                <a:rPr lang="es-AR" sz="1500" dirty="0" smtClean="0"/>
+                <a:t>Pc</a:t>
+              </a:r>
+              <a:endParaRPr lang="en-US" sz="1500" dirty="0"/>
+            </a:p>
+          </p:txBody>
+        </p:sp>
+        <p:cxnSp>
+          <p:nvCxnSpPr>
+            <p:cNvPr id="65" name="64 Conector recto"/>
+            <p:cNvCxnSpPr/>
+            <p:nvPr/>
+          </p:nvCxnSpPr>
+          <p:spPr>
+            <a:xfrm>
+              <a:off x="1892464" y="1659280"/>
+              <a:ext cx="268268" cy="0"/>
+            </a:xfrm>
+            <a:prstGeom prst="line">
+              <a:avLst/>
+            </a:prstGeom>
+            <a:ln w="22225">
+              <a:solidFill>
+                <a:schemeClr val="tx1">
+                  <a:lumMod val="75000"/>
+                  <a:lumOff val="25000"/>
+                </a:schemeClr>
+              </a:solidFill>
+            </a:ln>
+          </p:spPr>
+          <p:style>
+            <a:lnRef idx="1">
+              <a:schemeClr val="accent1"/>
+            </a:lnRef>
+            <a:fillRef idx="0">
+              <a:schemeClr val="accent1"/>
+            </a:fillRef>
+            <a:effectRef idx="0">
+              <a:schemeClr val="accent1"/>
+            </a:effectRef>
+            <a:fontRef idx="minor">
+              <a:schemeClr val="tx1"/>
+            </a:fontRef>
+          </p:style>
+        </p:cxnSp>
+        <p:sp>
+          <p:nvSpPr>
+            <p:cNvPr id="70" name="69 CuadroTexto"/>
+            <p:cNvSpPr txBox="1"/>
+            <p:nvPr/>
+          </p:nvSpPr>
+          <p:spPr>
+            <a:xfrm>
+              <a:off x="1436505" y="1492404"/>
+              <a:ext cx="658673" cy="338554"/>
+            </a:xfrm>
+            <a:prstGeom prst="rect">
+              <a:avLst/>
+            </a:prstGeom>
+            <a:noFill/>
+          </p:spPr>
+          <p:txBody>
+            <a:bodyPr wrap="square" rtlCol="0">
+              <a:spAutoFit/>
+            </a:bodyPr>
+            <a:lstStyle/>
+            <a:p>
+              <a:r>
+                <a:rPr lang="es-AR" sz="1600" dirty="0" smtClean="0"/>
+                <a:t>USB</a:t>
+              </a:r>
+              <a:endParaRPr lang="en-US" sz="1600" dirty="0"/>
+            </a:p>
+          </p:txBody>
+        </p:sp>
+      </p:grpSp>
+    </p:spTree>
+    <p:extLst>
+      <p:ext uri="{BB962C8B-B14F-4D97-AF65-F5344CB8AC3E}">
+        <p14:creationId xmlns:p14="http://schemas.microsoft.com/office/powerpoint/2010/main" val="2594231078"/>
       </p:ext>
     </p:extLst>
   </p:cSld>
